--- a/Презентация.pptx
+++ b/Презентация.pptx
@@ -9,6 +9,14 @@
     <p:sldId id="257" r:id="rId3"/>
     <p:sldId id="259" r:id="rId4"/>
     <p:sldId id="260" r:id="rId5"/>
+    <p:sldId id="262" r:id="rId6"/>
+    <p:sldId id="263" r:id="rId7"/>
+    <p:sldId id="265" r:id="rId8"/>
+    <p:sldId id="264" r:id="rId9"/>
+    <p:sldId id="266" r:id="rId10"/>
+    <p:sldId id="267" r:id="rId11"/>
+    <p:sldId id="268" r:id="rId12"/>
+    <p:sldId id="269" r:id="rId13"/>
   </p:sldIdLst>
   <p:sldSz cx="12192000" cy="6858000"/>
   <p:notesSz cx="6858000" cy="9144000"/>
@@ -108,6 +116,53 @@
     </a:lvl9pPr>
   </p:defaultTextStyle>
 </p:presentation>
+</file>
+
+<file path=ppt/commentAuthors.xml><?xml version="1.0" encoding="utf-8"?>
+<p:cmAuthorLst xmlns:a="http://schemas.openxmlformats.org/drawingml/2006/main" xmlns:r="http://schemas.openxmlformats.org/officeDocument/2006/relationships" xmlns:p="http://schemas.openxmlformats.org/presentationml/2006/main">
+  <p:cmAuthor id="1" name="Зеленкова Валерия Игоревна" initials="ЗВИ" lastIdx="1" clrIdx="0">
+    <p:extLst>
+      <p:ext uri="{19B8F6BF-5375-455C-9EA6-DF929625EA0E}">
+        <p15:presenceInfo xmlns:p15="http://schemas.microsoft.com/office/powerpoint/2012/main" userId="" providerId=""/>
+      </p:ext>
+    </p:extLst>
+  </p:cmAuthor>
+  <p:cmAuthor id="2" name="Зеленкова Валерия Игоревна" initials="ЗВИ [2]" lastIdx="1" clrIdx="1">
+    <p:extLst>
+      <p:ext uri="{19B8F6BF-5375-455C-9EA6-DF929625EA0E}">
+        <p15:presenceInfo xmlns:p15="http://schemas.microsoft.com/office/powerpoint/2012/main" userId="" providerId=""/>
+      </p:ext>
+    </p:extLst>
+  </p:cmAuthor>
+</p:cmAuthorLst>
+</file>
+
+<file path=ppt/comments/comment1.xml><?xml version="1.0" encoding="utf-8"?>
+<p:cmLst xmlns:a="http://schemas.openxmlformats.org/drawingml/2006/main" xmlns:r="http://schemas.openxmlformats.org/officeDocument/2006/relationships" xmlns:p="http://schemas.openxmlformats.org/presentationml/2006/main">
+  <p:cm authorId="1" dt="2017-12-20T19:35:02.913" idx="1">
+    <p:pos x="10" y="10"/>
+    <p:text/>
+    <p:extLst>
+      <p:ext uri="{C676402C-5697-4E1C-873F-D02D1690AC5C}">
+        <p15:threadingInfo xmlns:p15="http://schemas.microsoft.com/office/powerpoint/2012/main" timeZoneBias="-180"/>
+      </p:ext>
+    </p:extLst>
+  </p:cm>
+</p:cmLst>
+</file>
+
+<file path=ppt/comments/comment2.xml><?xml version="1.0" encoding="utf-8"?>
+<p:cmLst xmlns:a="http://schemas.openxmlformats.org/drawingml/2006/main" xmlns:r="http://schemas.openxmlformats.org/officeDocument/2006/relationships" xmlns:p="http://schemas.openxmlformats.org/presentationml/2006/main">
+  <p:cm authorId="2" dt="2017-12-20T19:35:02.913" idx="1">
+    <p:pos x="10" y="10"/>
+    <p:text/>
+    <p:extLst>
+      <p:ext uri="{C676402C-5697-4E1C-873F-D02D1690AC5C}">
+        <p15:threadingInfo xmlns:p15="http://schemas.microsoft.com/office/powerpoint/2012/main" timeZoneBias="-180"/>
+      </p:ext>
+    </p:extLst>
+  </p:cm>
+</p:cmLst>
 </file>
 
 <file path=ppt/slideLayouts/slideLayout1.xml><?xml version="1.0" encoding="utf-8"?>
@@ -4500,15 +4555,468 @@
 </p:sld>
 </file>
 
+<file path=ppt/slides/slide10.xml><?xml version="1.0" encoding="utf-8"?>
+<p:sld xmlns:a="http://schemas.openxmlformats.org/drawingml/2006/main" xmlns:r="http://schemas.openxmlformats.org/officeDocument/2006/relationships" xmlns:p="http://schemas.openxmlformats.org/presentationml/2006/main" showMasterSp="0">
+  <p:cSld>
+    <p:bg>
+      <p:bgPr>
+        <a:solidFill>
+          <a:schemeClr val="accent3">
+            <a:lumMod val="20000"/>
+            <a:lumOff val="80000"/>
+          </a:schemeClr>
+        </a:solidFill>
+        <a:effectLst/>
+      </p:bgPr>
+    </p:bg>
+    <p:spTree>
+      <p:nvGrpSpPr>
+        <p:cNvPr id="1" name=""/>
+        <p:cNvGrpSpPr/>
+        <p:nvPr/>
+      </p:nvGrpSpPr>
+      <p:grpSpPr>
+        <a:xfrm>
+          <a:off x="0" y="0"/>
+          <a:ext cx="0" cy="0"/>
+          <a:chOff x="0" y="0"/>
+          <a:chExt cx="0" cy="0"/>
+        </a:xfrm>
+      </p:grpSpPr>
+      <p:sp>
+        <p:nvSpPr>
+          <p:cNvPr id="2" name="Заголовок 1"/>
+          <p:cNvSpPr>
+            <a:spLocks noGrp="1"/>
+          </p:cNvSpPr>
+          <p:nvPr>
+            <p:ph type="title"/>
+          </p:nvPr>
+        </p:nvSpPr>
+        <p:spPr>
+          <a:xfrm>
+            <a:off x="701040" y="228600"/>
+            <a:ext cx="10683240" cy="1371600"/>
+          </a:xfrm>
+        </p:spPr>
+        <p:txBody>
+          <a:bodyPr>
+            <a:normAutofit/>
+          </a:bodyPr>
+          <a:lstStyle/>
+          <a:p>
+            <a:r>
+              <a:rPr lang="ru-RU" dirty="0" smtClean="0">
+                <a:solidFill>
+                  <a:schemeClr val="bg2">
+                    <a:lumMod val="50000"/>
+                  </a:schemeClr>
+                </a:solidFill>
+              </a:rPr>
+              <a:t>Дерево решений</a:t>
+            </a:r>
+            <a:r>
+              <a:rPr lang="en-US" dirty="0" smtClean="0">
+                <a:solidFill>
+                  <a:schemeClr val="bg2">
+                    <a:lumMod val="50000"/>
+                  </a:schemeClr>
+                </a:solidFill>
+              </a:rPr>
+              <a:t> </a:t>
+            </a:r>
+            <a:br>
+              <a:rPr lang="en-US" dirty="0" smtClean="0">
+                <a:solidFill>
+                  <a:schemeClr val="bg2">
+                    <a:lumMod val="50000"/>
+                  </a:schemeClr>
+                </a:solidFill>
+              </a:rPr>
+            </a:br>
+            <a:r>
+              <a:rPr lang="en-US" sz="2700" dirty="0" smtClean="0">
+                <a:solidFill>
+                  <a:schemeClr val="bg2">
+                    <a:lumMod val="50000"/>
+                  </a:schemeClr>
+                </a:solidFill>
+              </a:rPr>
+              <a:t>(accuracy = 0.77)</a:t>
+            </a:r>
+            <a:endParaRPr lang="ru-RU" sz="2700" dirty="0">
+              <a:solidFill>
+                <a:schemeClr val="bg2">
+                  <a:lumMod val="50000"/>
+                </a:schemeClr>
+              </a:solidFill>
+            </a:endParaRPr>
+          </a:p>
+        </p:txBody>
+      </p:sp>
+      <p:pic>
+        <p:nvPicPr>
+          <p:cNvPr id="4" name="Изображение 3"/>
+          <p:cNvPicPr>
+            <a:picLocks noChangeAspect="1"/>
+          </p:cNvPicPr>
+          <p:nvPr/>
+        </p:nvPicPr>
+        <p:blipFill>
+          <a:blip r:embed="rId2">
+            <a:extLst>
+              <a:ext uri="{28A0092B-C50C-407E-A947-70E740481C1C}">
+                <a14:useLocalDpi xmlns:a14="http://schemas.microsoft.com/office/drawing/2010/main" val="0"/>
+              </a:ext>
+            </a:extLst>
+          </a:blip>
+          <a:stretch>
+            <a:fillRect/>
+          </a:stretch>
+        </p:blipFill>
+        <p:spPr>
+          <a:xfrm>
+            <a:off x="2242307" y="1600200"/>
+            <a:ext cx="7600705" cy="4625340"/>
+          </a:xfrm>
+          <a:prstGeom prst="rect">
+            <a:avLst/>
+          </a:prstGeom>
+        </p:spPr>
+      </p:pic>
+    </p:spTree>
+    <p:extLst>
+      <p:ext uri="{BB962C8B-B14F-4D97-AF65-F5344CB8AC3E}">
+        <p14:creationId xmlns:p14="http://schemas.microsoft.com/office/powerpoint/2010/main" val="849257591"/>
+      </p:ext>
+    </p:extLst>
+  </p:cSld>
+  <p:clrMapOvr>
+    <a:masterClrMapping/>
+  </p:clrMapOvr>
+</p:sld>
+</file>
+
+<file path=ppt/slides/slide11.xml><?xml version="1.0" encoding="utf-8"?>
+<p:sld xmlns:a="http://schemas.openxmlformats.org/drawingml/2006/main" xmlns:r="http://schemas.openxmlformats.org/officeDocument/2006/relationships" xmlns:p="http://schemas.openxmlformats.org/presentationml/2006/main" showMasterSp="0">
+  <p:cSld>
+    <p:bg>
+      <p:bgPr>
+        <a:solidFill>
+          <a:schemeClr val="accent3">
+            <a:lumMod val="20000"/>
+            <a:lumOff val="80000"/>
+          </a:schemeClr>
+        </a:solidFill>
+        <a:effectLst/>
+      </p:bgPr>
+    </p:bg>
+    <p:spTree>
+      <p:nvGrpSpPr>
+        <p:cNvPr id="1" name=""/>
+        <p:cNvGrpSpPr/>
+        <p:nvPr/>
+      </p:nvGrpSpPr>
+      <p:grpSpPr>
+        <a:xfrm>
+          <a:off x="0" y="0"/>
+          <a:ext cx="0" cy="0"/>
+          <a:chOff x="0" y="0"/>
+          <a:chExt cx="0" cy="0"/>
+        </a:xfrm>
+      </p:grpSpPr>
+      <p:sp>
+        <p:nvSpPr>
+          <p:cNvPr id="2" name="Заголовок 1"/>
+          <p:cNvSpPr>
+            <a:spLocks noGrp="1"/>
+          </p:cNvSpPr>
+          <p:nvPr>
+            <p:ph type="title"/>
+          </p:nvPr>
+        </p:nvSpPr>
+        <p:spPr>
+          <a:xfrm>
+            <a:off x="701040" y="228600"/>
+            <a:ext cx="10683240" cy="1371600"/>
+          </a:xfrm>
+        </p:spPr>
+        <p:txBody>
+          <a:bodyPr>
+            <a:normAutofit/>
+          </a:bodyPr>
+          <a:lstStyle/>
+          <a:p>
+            <a:r>
+              <a:rPr lang="ru-RU" dirty="0" smtClean="0">
+                <a:solidFill>
+                  <a:schemeClr val="bg2">
+                    <a:lumMod val="50000"/>
+                  </a:schemeClr>
+                </a:solidFill>
+              </a:rPr>
+              <a:t>Важность признаков</a:t>
+            </a:r>
+            <a:endParaRPr lang="ru-RU" dirty="0">
+              <a:solidFill>
+                <a:schemeClr val="bg2">
+                  <a:lumMod val="50000"/>
+                </a:schemeClr>
+              </a:solidFill>
+            </a:endParaRPr>
+          </a:p>
+        </p:txBody>
+      </p:sp>
+      <p:pic>
+        <p:nvPicPr>
+          <p:cNvPr id="3" name="Изображение 2"/>
+          <p:cNvPicPr>
+            <a:picLocks noChangeAspect="1"/>
+          </p:cNvPicPr>
+          <p:nvPr/>
+        </p:nvPicPr>
+        <p:blipFill>
+          <a:blip r:embed="rId2">
+            <a:extLst>
+              <a:ext uri="{28A0092B-C50C-407E-A947-70E740481C1C}">
+                <a14:useLocalDpi xmlns:a14="http://schemas.microsoft.com/office/drawing/2010/main" val="0"/>
+              </a:ext>
+            </a:extLst>
+          </a:blip>
+          <a:stretch>
+            <a:fillRect/>
+          </a:stretch>
+        </p:blipFill>
+        <p:spPr>
+          <a:xfrm>
+            <a:off x="3140710" y="2019300"/>
+            <a:ext cx="5803900" cy="4343400"/>
+          </a:xfrm>
+          <a:prstGeom prst="rect">
+            <a:avLst/>
+          </a:prstGeom>
+        </p:spPr>
+      </p:pic>
+      <p:sp>
+        <p:nvSpPr>
+          <p:cNvPr id="4" name="TextBox 3"/>
+          <p:cNvSpPr txBox="1"/>
+          <p:nvPr/>
+        </p:nvSpPr>
+        <p:spPr>
+          <a:xfrm>
+            <a:off x="899160" y="1415534"/>
+            <a:ext cx="2720617" cy="461665"/>
+          </a:xfrm>
+          <a:prstGeom prst="rect">
+            <a:avLst/>
+          </a:prstGeom>
+          <a:noFill/>
+        </p:spPr>
+        <p:txBody>
+          <a:bodyPr wrap="none" rtlCol="0">
+            <a:spAutoFit/>
+          </a:bodyPr>
+          <a:lstStyle/>
+          <a:p>
+            <a:r>
+              <a:rPr lang="ru-RU" sz="2400" dirty="0">
+                <a:solidFill>
+                  <a:schemeClr val="bg2">
+                    <a:lumMod val="50000"/>
+                  </a:schemeClr>
+                </a:solidFill>
+              </a:rPr>
+              <a:t>(</a:t>
+            </a:r>
+            <a:r>
+              <a:rPr lang="ru-RU" sz="2400" dirty="0" smtClean="0">
+                <a:solidFill>
+                  <a:schemeClr val="bg2">
+                    <a:lumMod val="50000"/>
+                  </a:schemeClr>
+                </a:solidFill>
+              </a:rPr>
+              <a:t>случайный лес)</a:t>
+            </a:r>
+            <a:endParaRPr lang="ru-RU" sz="2400" dirty="0">
+              <a:solidFill>
+                <a:schemeClr val="bg2">
+                  <a:lumMod val="50000"/>
+                </a:schemeClr>
+              </a:solidFill>
+            </a:endParaRPr>
+          </a:p>
+        </p:txBody>
+      </p:sp>
+    </p:spTree>
+    <p:extLst>
+      <p:ext uri="{BB962C8B-B14F-4D97-AF65-F5344CB8AC3E}">
+        <p14:creationId xmlns:p14="http://schemas.microsoft.com/office/powerpoint/2010/main" val="604313595"/>
+      </p:ext>
+    </p:extLst>
+  </p:cSld>
+  <p:clrMapOvr>
+    <a:masterClrMapping/>
+  </p:clrMapOvr>
+</p:sld>
+</file>
+
+<file path=ppt/slides/slide12.xml><?xml version="1.0" encoding="utf-8"?>
+<p:sld xmlns:a="http://schemas.openxmlformats.org/drawingml/2006/main" xmlns:r="http://schemas.openxmlformats.org/officeDocument/2006/relationships" xmlns:p="http://schemas.openxmlformats.org/presentationml/2006/main" showMasterSp="0">
+  <p:cSld>
+    <p:bg>
+      <p:bgPr>
+        <a:solidFill>
+          <a:schemeClr val="accent3">
+            <a:lumMod val="20000"/>
+            <a:lumOff val="80000"/>
+          </a:schemeClr>
+        </a:solidFill>
+        <a:effectLst/>
+      </p:bgPr>
+    </p:bg>
+    <p:spTree>
+      <p:nvGrpSpPr>
+        <p:cNvPr id="1" name=""/>
+        <p:cNvGrpSpPr/>
+        <p:nvPr/>
+      </p:nvGrpSpPr>
+      <p:grpSpPr>
+        <a:xfrm>
+          <a:off x="0" y="0"/>
+          <a:ext cx="0" cy="0"/>
+          <a:chOff x="0" y="0"/>
+          <a:chExt cx="0" cy="0"/>
+        </a:xfrm>
+      </p:grpSpPr>
+      <p:sp>
+        <p:nvSpPr>
+          <p:cNvPr id="2" name="Заголовок 1"/>
+          <p:cNvSpPr>
+            <a:spLocks noGrp="1"/>
+          </p:cNvSpPr>
+          <p:nvPr>
+            <p:ph type="title"/>
+          </p:nvPr>
+        </p:nvSpPr>
+        <p:spPr>
+          <a:xfrm>
+            <a:off x="701040" y="228600"/>
+            <a:ext cx="10683240" cy="1371600"/>
+          </a:xfrm>
+        </p:spPr>
+        <p:txBody>
+          <a:bodyPr>
+            <a:normAutofit/>
+          </a:bodyPr>
+          <a:lstStyle/>
+          <a:p>
+            <a:r>
+              <a:rPr lang="ru-RU" dirty="0" smtClean="0">
+                <a:solidFill>
+                  <a:schemeClr val="bg2">
+                    <a:lumMod val="50000"/>
+                  </a:schemeClr>
+                </a:solidFill>
+              </a:rPr>
+              <a:t>Результаты</a:t>
+            </a:r>
+            <a:endParaRPr lang="ru-RU" dirty="0">
+              <a:solidFill>
+                <a:schemeClr val="bg2">
+                  <a:lumMod val="50000"/>
+                </a:schemeClr>
+              </a:solidFill>
+            </a:endParaRPr>
+          </a:p>
+        </p:txBody>
+      </p:sp>
+      <p:sp>
+        <p:nvSpPr>
+          <p:cNvPr id="4" name="TextBox 3"/>
+          <p:cNvSpPr txBox="1"/>
+          <p:nvPr/>
+        </p:nvSpPr>
+        <p:spPr>
+          <a:xfrm>
+            <a:off x="899160" y="1415534"/>
+            <a:ext cx="4015843" cy="1200329"/>
+          </a:xfrm>
+          <a:prstGeom prst="rect">
+            <a:avLst/>
+          </a:prstGeom>
+          <a:noFill/>
+        </p:spPr>
+        <p:txBody>
+          <a:bodyPr wrap="none" rtlCol="0">
+            <a:spAutoFit/>
+          </a:bodyPr>
+          <a:lstStyle/>
+          <a:p>
+            <a:r>
+              <a:rPr lang="en-US" sz="2400" dirty="0" smtClean="0">
+                <a:solidFill>
+                  <a:schemeClr val="bg2">
+                    <a:lumMod val="50000"/>
+                  </a:schemeClr>
+                </a:solidFill>
+              </a:rPr>
+              <a:t>~ 0.77 accuracy</a:t>
+            </a:r>
+          </a:p>
+          <a:p>
+            <a:endParaRPr lang="ru-RU" sz="2400" dirty="0">
+              <a:solidFill>
+                <a:schemeClr val="bg2">
+                  <a:lumMod val="50000"/>
+                </a:schemeClr>
+              </a:solidFill>
+            </a:endParaRPr>
+          </a:p>
+          <a:p>
+            <a:r>
+              <a:rPr lang="ru-RU" sz="2400" dirty="0" smtClean="0">
+                <a:solidFill>
+                  <a:schemeClr val="bg2">
+                    <a:lumMod val="50000"/>
+                  </a:schemeClr>
+                </a:solidFill>
+              </a:rPr>
+              <a:t>Возможно, мало данных</a:t>
+            </a:r>
+            <a:endParaRPr lang="ru-RU" sz="2400" dirty="0">
+              <a:solidFill>
+                <a:schemeClr val="bg2">
+                  <a:lumMod val="50000"/>
+                </a:schemeClr>
+              </a:solidFill>
+            </a:endParaRPr>
+          </a:p>
+        </p:txBody>
+      </p:sp>
+    </p:spTree>
+    <p:extLst>
+      <p:ext uri="{BB962C8B-B14F-4D97-AF65-F5344CB8AC3E}">
+        <p14:creationId xmlns:p14="http://schemas.microsoft.com/office/powerpoint/2010/main" val="1434803759"/>
+      </p:ext>
+    </p:extLst>
+  </p:cSld>
+  <p:clrMapOvr>
+    <a:masterClrMapping/>
+  </p:clrMapOvr>
+</p:sld>
+</file>
+
 <file path=ppt/slides/slide2.xml><?xml version="1.0" encoding="utf-8"?>
 <p:sld xmlns:a="http://schemas.openxmlformats.org/drawingml/2006/main" xmlns:r="http://schemas.openxmlformats.org/officeDocument/2006/relationships" xmlns:p="http://schemas.openxmlformats.org/presentationml/2006/main" showMasterSp="0">
   <p:cSld>
     <p:bg>
       <p:bgPr>
         <a:solidFill>
-          <a:schemeClr val="bg2">
-            <a:lumMod val="40000"/>
-            <a:lumOff val="60000"/>
+          <a:schemeClr val="accent3">
+            <a:lumMod val="20000"/>
+            <a:lumOff val="80000"/>
           </a:schemeClr>
         </a:solidFill>
         <a:effectLst/>
@@ -4760,9 +5268,9 @@
     <p:bg>
       <p:bgPr>
         <a:solidFill>
-          <a:schemeClr val="bg2">
-            <a:lumMod val="40000"/>
-            <a:lumOff val="60000"/>
+          <a:schemeClr val="accent3">
+            <a:lumMod val="20000"/>
+            <a:lumOff val="80000"/>
           </a:schemeClr>
         </a:solidFill>
         <a:effectLst/>
@@ -4845,7 +5353,7 @@
           <a:lstStyle/>
           <a:p>
             <a:r>
-              <a:rPr lang="ru-RU" sz="2800" b="1" dirty="0" smtClean="0">
+              <a:rPr lang="ru-RU" sz="2800" dirty="0" smtClean="0">
                 <a:solidFill>
                   <a:schemeClr val="bg2">
                     <a:lumMod val="50000"/>
@@ -4856,7 +5364,7 @@
               <a:t>На просторах Рунета (в основном в </a:t>
             </a:r>
             <a:r>
-              <a:rPr lang="ru-RU" sz="2800" b="1" dirty="0" err="1" smtClean="0">
+              <a:rPr lang="ru-RU" sz="2800" dirty="0" err="1" smtClean="0">
                 <a:solidFill>
                   <a:schemeClr val="bg2">
                     <a:lumMod val="50000"/>
@@ -4867,7 +5375,7 @@
               <a:t>Твиттере</a:t>
             </a:r>
             <a:r>
-              <a:rPr lang="ru-RU" sz="2800" b="1" dirty="0" smtClean="0">
+              <a:rPr lang="ru-RU" sz="2800" dirty="0" smtClean="0">
                 <a:solidFill>
                   <a:schemeClr val="bg2">
                     <a:lumMod val="50000"/>
@@ -4883,7 +5391,7 @@
               <a:buAutoNum type="arabicParenR"/>
             </a:pPr>
             <a:r>
-              <a:rPr lang="ru-RU" sz="2800" b="1" dirty="0" smtClean="0">
+              <a:rPr lang="ru-RU" sz="2800" dirty="0" smtClean="0">
                 <a:solidFill>
                   <a:schemeClr val="bg2">
                     <a:lumMod val="50000"/>
@@ -4899,7 +5407,7 @@
               <a:buAutoNum type="arabicParenR"/>
             </a:pPr>
             <a:r>
-              <a:rPr lang="ru-RU" sz="2800" b="1" dirty="0" smtClean="0">
+              <a:rPr lang="ru-RU" sz="2800" dirty="0" smtClean="0">
                 <a:solidFill>
                   <a:schemeClr val="bg2">
                     <a:lumMod val="50000"/>
@@ -4915,7 +5423,7 @@
               <a:buAutoNum type="arabicParenR"/>
             </a:pPr>
             <a:r>
-              <a:rPr lang="ru-RU" sz="2800" b="1" dirty="0" smtClean="0">
+              <a:rPr lang="ru-RU" sz="2800" dirty="0" smtClean="0">
                 <a:solidFill>
                   <a:schemeClr val="bg2">
                     <a:lumMod val="50000"/>
@@ -4931,7 +5439,7 @@
               <a:buAutoNum type="arabicParenR"/>
             </a:pPr>
             <a:r>
-              <a:rPr lang="ru-RU" sz="2800" b="1" dirty="0" smtClean="0">
+              <a:rPr lang="ru-RU" sz="2800" dirty="0" smtClean="0">
                 <a:solidFill>
                   <a:schemeClr val="bg2">
                     <a:lumMod val="50000"/>
@@ -4947,7 +5455,7 @@
               <a:buAutoNum type="arabicParenR"/>
             </a:pPr>
             <a:r>
-              <a:rPr lang="ru-RU" sz="2800" b="1" dirty="0">
+              <a:rPr lang="ru-RU" sz="2800" dirty="0">
                 <a:solidFill>
                   <a:schemeClr val="bg2">
                     <a:lumMod val="50000"/>
@@ -4958,7 +5466,7 @@
               <a:t>с</a:t>
             </a:r>
             <a:r>
-              <a:rPr lang="ru-RU" sz="2800" b="1" dirty="0" smtClean="0">
+              <a:rPr lang="ru-RU" sz="2800" dirty="0" smtClean="0">
                 <a:solidFill>
                   <a:schemeClr val="bg2">
                     <a:lumMod val="50000"/>
@@ -4974,7 +5482,7 @@
               <a:buAutoNum type="arabicParenR"/>
             </a:pPr>
             <a:r>
-              <a:rPr lang="ru-RU" sz="2800" b="1" dirty="0" smtClean="0">
+              <a:rPr lang="ru-RU" sz="2800" dirty="0" smtClean="0">
                 <a:solidFill>
                   <a:schemeClr val="bg2">
                     <a:lumMod val="50000"/>
@@ -4984,7 +5492,7 @@
               </a:rPr>
               <a:t>заставьте меня обратно</a:t>
             </a:r>
-            <a:endParaRPr lang="ru-RU" sz="2800" b="1" dirty="0">
+            <a:endParaRPr lang="ru-RU" sz="2800" dirty="0">
               <a:solidFill>
                 <a:schemeClr val="bg2">
                   <a:lumMod val="50000"/>
@@ -5014,9 +5522,9 @@
     <p:bg>
       <p:bgPr>
         <a:solidFill>
-          <a:schemeClr val="bg2">
-            <a:lumMod val="40000"/>
-            <a:lumOff val="60000"/>
+          <a:schemeClr val="accent3">
+            <a:lumMod val="20000"/>
+            <a:lumOff val="80000"/>
           </a:schemeClr>
         </a:solidFill>
         <a:effectLst/>
@@ -5180,6 +5688,1733 @@
     <p:extLst>
       <p:ext uri="{BB962C8B-B14F-4D97-AF65-F5344CB8AC3E}">
         <p14:creationId xmlns:p14="http://schemas.microsoft.com/office/powerpoint/2010/main" val="60639461"/>
+      </p:ext>
+    </p:extLst>
+  </p:cSld>
+  <p:clrMapOvr>
+    <a:masterClrMapping/>
+  </p:clrMapOvr>
+</p:sld>
+</file>
+
+<file path=ppt/slides/slide5.xml><?xml version="1.0" encoding="utf-8"?>
+<p:sld xmlns:a="http://schemas.openxmlformats.org/drawingml/2006/main" xmlns:r="http://schemas.openxmlformats.org/officeDocument/2006/relationships" xmlns:p="http://schemas.openxmlformats.org/presentationml/2006/main" showMasterSp="0">
+  <p:cSld>
+    <p:bg>
+      <p:bgPr>
+        <a:solidFill>
+          <a:schemeClr val="accent3">
+            <a:lumMod val="20000"/>
+            <a:lumOff val="80000"/>
+          </a:schemeClr>
+        </a:solidFill>
+        <a:effectLst/>
+      </p:bgPr>
+    </p:bg>
+    <p:spTree>
+      <p:nvGrpSpPr>
+        <p:cNvPr id="1" name=""/>
+        <p:cNvGrpSpPr/>
+        <p:nvPr/>
+      </p:nvGrpSpPr>
+      <p:grpSpPr>
+        <a:xfrm>
+          <a:off x="0" y="0"/>
+          <a:ext cx="0" cy="0"/>
+          <a:chOff x="0" y="0"/>
+          <a:chExt cx="0" cy="0"/>
+        </a:xfrm>
+      </p:grpSpPr>
+      <p:sp>
+        <p:nvSpPr>
+          <p:cNvPr id="2" name="Заголовок 1"/>
+          <p:cNvSpPr>
+            <a:spLocks noGrp="1"/>
+          </p:cNvSpPr>
+          <p:nvPr>
+            <p:ph type="title"/>
+          </p:nvPr>
+        </p:nvSpPr>
+        <p:spPr>
+          <a:xfrm>
+            <a:off x="701040" y="228600"/>
+            <a:ext cx="10683240" cy="1371600"/>
+          </a:xfrm>
+        </p:spPr>
+        <p:txBody>
+          <a:bodyPr/>
+          <a:lstStyle/>
+          <a:p>
+            <a:r>
+              <a:rPr lang="ru-RU" dirty="0" smtClean="0">
+                <a:solidFill>
+                  <a:schemeClr val="bg2">
+                    <a:lumMod val="50000"/>
+                  </a:schemeClr>
+                </a:solidFill>
+              </a:rPr>
+              <a:t>Данные</a:t>
+            </a:r>
+            <a:endParaRPr lang="ru-RU" dirty="0">
+              <a:solidFill>
+                <a:schemeClr val="bg2">
+                  <a:lumMod val="50000"/>
+                </a:schemeClr>
+              </a:solidFill>
+            </a:endParaRPr>
+          </a:p>
+        </p:txBody>
+      </p:sp>
+      <p:sp>
+        <p:nvSpPr>
+          <p:cNvPr id="4" name="TextBox 3"/>
+          <p:cNvSpPr txBox="1"/>
+          <p:nvPr/>
+        </p:nvSpPr>
+        <p:spPr>
+          <a:xfrm>
+            <a:off x="441960" y="1981200"/>
+            <a:ext cx="11277600" cy="1569660"/>
+          </a:xfrm>
+          <a:prstGeom prst="rect">
+            <a:avLst/>
+          </a:prstGeom>
+          <a:noFill/>
+        </p:spPr>
+        <p:txBody>
+          <a:bodyPr wrap="square" rtlCol="0">
+            <a:spAutoFit/>
+          </a:bodyPr>
+          <a:lstStyle/>
+          <a:p>
+            <a:pPr marL="342900" indent="-342900">
+              <a:buFontTx/>
+              <a:buChar char="-"/>
+            </a:pPr>
+            <a:r>
+              <a:rPr lang="ru-RU" sz="2400" dirty="0" err="1" smtClean="0">
+                <a:solidFill>
+                  <a:schemeClr val="bg2">
+                    <a:lumMod val="50000"/>
+                  </a:schemeClr>
+                </a:solidFill>
+                <a:latin typeface="+mj-lt"/>
+              </a:rPr>
+              <a:t>Твиттер</a:t>
+            </a:r>
+            <a:r>
+              <a:rPr lang="ru-RU" sz="2400" dirty="0" smtClean="0">
+                <a:solidFill>
+                  <a:schemeClr val="bg2">
+                    <a:lumMod val="50000"/>
+                  </a:schemeClr>
+                </a:solidFill>
+                <a:latin typeface="+mj-lt"/>
+              </a:rPr>
+              <a:t>, 171 контекст</a:t>
+            </a:r>
+          </a:p>
+          <a:p>
+            <a:pPr marL="342900" indent="-342900">
+              <a:buFontTx/>
+              <a:buChar char="-"/>
+            </a:pPr>
+            <a:r>
+              <a:rPr lang="ru-RU" sz="2400" dirty="0" smtClean="0">
+                <a:solidFill>
+                  <a:schemeClr val="bg2">
+                    <a:lumMod val="50000"/>
+                  </a:schemeClr>
+                </a:solidFill>
+                <a:latin typeface="+mj-lt"/>
+              </a:rPr>
+              <a:t>Данные получены запросами на странице расширенного поиска </a:t>
+            </a:r>
+            <a:r>
+              <a:rPr lang="ru-RU" sz="2400" dirty="0" err="1" smtClean="0">
+                <a:solidFill>
+                  <a:schemeClr val="bg2">
+                    <a:lumMod val="50000"/>
+                  </a:schemeClr>
+                </a:solidFill>
+                <a:latin typeface="+mj-lt"/>
+              </a:rPr>
+              <a:t>Твиттера</a:t>
+            </a:r>
+            <a:r>
+              <a:rPr lang="ru-RU" sz="2400" dirty="0" smtClean="0">
+                <a:solidFill>
+                  <a:schemeClr val="bg2">
+                    <a:lumMod val="50000"/>
+                  </a:schemeClr>
+                </a:solidFill>
+                <a:latin typeface="+mj-lt"/>
+              </a:rPr>
+              <a:t>, скопированы вручную и размечены</a:t>
+            </a:r>
+          </a:p>
+          <a:p>
+            <a:pPr marL="342900" indent="-342900">
+              <a:buFontTx/>
+              <a:buChar char="-"/>
+            </a:pPr>
+            <a:endParaRPr lang="ru-RU" sz="2400" dirty="0">
+              <a:solidFill>
+                <a:schemeClr val="bg2">
+                  <a:lumMod val="50000"/>
+                </a:schemeClr>
+              </a:solidFill>
+              <a:latin typeface="+mj-lt"/>
+            </a:endParaRPr>
+          </a:p>
+        </p:txBody>
+      </p:sp>
+      <p:pic>
+        <p:nvPicPr>
+          <p:cNvPr id="6" name="Изображение 5"/>
+          <p:cNvPicPr>
+            <a:picLocks noChangeAspect="1"/>
+          </p:cNvPicPr>
+          <p:nvPr/>
+        </p:nvPicPr>
+        <p:blipFill>
+          <a:blip r:embed="rId2">
+            <a:extLst>
+              <a:ext uri="{28A0092B-C50C-407E-A947-70E740481C1C}">
+                <a14:useLocalDpi xmlns:a14="http://schemas.microsoft.com/office/drawing/2010/main" val="0"/>
+              </a:ext>
+            </a:extLst>
+          </a:blip>
+          <a:stretch>
+            <a:fillRect/>
+          </a:stretch>
+        </p:blipFill>
+        <p:spPr>
+          <a:xfrm>
+            <a:off x="335280" y="3550860"/>
+            <a:ext cx="11490960" cy="2468504"/>
+          </a:xfrm>
+          <a:prstGeom prst="rect">
+            <a:avLst/>
+          </a:prstGeom>
+        </p:spPr>
+      </p:pic>
+    </p:spTree>
+    <p:extLst>
+      <p:ext uri="{BB962C8B-B14F-4D97-AF65-F5344CB8AC3E}">
+        <p14:creationId xmlns:p14="http://schemas.microsoft.com/office/powerpoint/2010/main" val="1514814542"/>
+      </p:ext>
+    </p:extLst>
+  </p:cSld>
+  <p:clrMapOvr>
+    <a:masterClrMapping/>
+  </p:clrMapOvr>
+</p:sld>
+</file>
+
+<file path=ppt/slides/slide6.xml><?xml version="1.0" encoding="utf-8"?>
+<p:sld xmlns:a="http://schemas.openxmlformats.org/drawingml/2006/main" xmlns:r="http://schemas.openxmlformats.org/officeDocument/2006/relationships" xmlns:p="http://schemas.openxmlformats.org/presentationml/2006/main" showMasterSp="0">
+  <p:cSld>
+    <p:bg>
+      <p:bgPr>
+        <a:solidFill>
+          <a:schemeClr val="accent3">
+            <a:lumMod val="20000"/>
+            <a:lumOff val="80000"/>
+          </a:schemeClr>
+        </a:solidFill>
+        <a:effectLst/>
+      </p:bgPr>
+    </p:bg>
+    <p:spTree>
+      <p:nvGrpSpPr>
+        <p:cNvPr id="1" name=""/>
+        <p:cNvGrpSpPr/>
+        <p:nvPr/>
+      </p:nvGrpSpPr>
+      <p:grpSpPr>
+        <a:xfrm>
+          <a:off x="0" y="0"/>
+          <a:ext cx="0" cy="0"/>
+          <a:chOff x="0" y="0"/>
+          <a:chExt cx="0" cy="0"/>
+        </a:xfrm>
+      </p:grpSpPr>
+      <p:sp>
+        <p:nvSpPr>
+          <p:cNvPr id="2" name="Заголовок 1"/>
+          <p:cNvSpPr>
+            <a:spLocks noGrp="1"/>
+          </p:cNvSpPr>
+          <p:nvPr>
+            <p:ph type="title"/>
+          </p:nvPr>
+        </p:nvSpPr>
+        <p:spPr>
+          <a:xfrm>
+            <a:off x="701040" y="228600"/>
+            <a:ext cx="10683240" cy="1371600"/>
+          </a:xfrm>
+        </p:spPr>
+        <p:txBody>
+          <a:bodyPr/>
+          <a:lstStyle/>
+          <a:p>
+            <a:r>
+              <a:rPr lang="ru-RU" dirty="0" smtClean="0">
+                <a:solidFill>
+                  <a:schemeClr val="bg2">
+                    <a:lumMod val="50000"/>
+                  </a:schemeClr>
+                </a:solidFill>
+              </a:rPr>
+              <a:t>Переменные</a:t>
+            </a:r>
+            <a:endParaRPr lang="ru-RU" dirty="0">
+              <a:solidFill>
+                <a:schemeClr val="bg2">
+                  <a:lumMod val="50000"/>
+                </a:schemeClr>
+              </a:solidFill>
+            </a:endParaRPr>
+          </a:p>
+        </p:txBody>
+      </p:sp>
+      <p:sp>
+        <p:nvSpPr>
+          <p:cNvPr id="3" name="Прямоугольник 2"/>
+          <p:cNvSpPr/>
+          <p:nvPr/>
+        </p:nvSpPr>
+        <p:spPr>
+          <a:xfrm>
+            <a:off x="304800" y="1859340"/>
+            <a:ext cx="11475720" cy="4524315"/>
+          </a:xfrm>
+          <a:prstGeom prst="rect">
+            <a:avLst/>
+          </a:prstGeom>
+        </p:spPr>
+        <p:txBody>
+          <a:bodyPr wrap="square">
+            <a:spAutoFit/>
+          </a:bodyPr>
+          <a:lstStyle/>
+          <a:p>
+            <a:r>
+              <a:rPr lang="ru-RU" sz="2400" dirty="0" smtClean="0">
+                <a:solidFill>
+                  <a:schemeClr val="bg2">
+                    <a:lumMod val="50000"/>
+                  </a:schemeClr>
+                </a:solidFill>
+              </a:rPr>
+              <a:t>Зависимая переменная - местоимение мне/меня</a:t>
+            </a:r>
+          </a:p>
+          <a:p>
+            <a:endParaRPr lang="en-US" sz="2400" dirty="0" smtClean="0">
+              <a:solidFill>
+                <a:schemeClr val="bg2">
+                  <a:lumMod val="50000"/>
+                </a:schemeClr>
+              </a:solidFill>
+            </a:endParaRPr>
+          </a:p>
+          <a:p>
+            <a:r>
+              <a:rPr lang="ru-RU" sz="2400" dirty="0" smtClean="0">
+                <a:solidFill>
+                  <a:schemeClr val="bg2">
+                    <a:lumMod val="50000"/>
+                  </a:schemeClr>
+                </a:solidFill>
+              </a:rPr>
+              <a:t>Переменные, используемые для предсказания:</a:t>
+            </a:r>
+          </a:p>
+          <a:p>
+            <a:pPr marL="342900" indent="-342900">
+              <a:buFontTx/>
+              <a:buChar char="-"/>
+            </a:pPr>
+            <a:r>
+              <a:rPr lang="ru-RU" sz="2400" dirty="0" smtClean="0">
+                <a:solidFill>
+                  <a:schemeClr val="bg2">
+                    <a:lumMod val="50000"/>
+                  </a:schemeClr>
+                </a:solidFill>
+              </a:rPr>
+              <a:t>основной глагол (сделайте/заставьте)</a:t>
+            </a:r>
+          </a:p>
+          <a:p>
+            <a:pPr marL="342900" indent="-342900">
+              <a:buFontTx/>
+              <a:buChar char="-"/>
+            </a:pPr>
+            <a:r>
+              <a:rPr lang="ru-RU" sz="2400" dirty="0" smtClean="0">
+                <a:solidFill>
+                  <a:schemeClr val="bg2">
+                    <a:lumMod val="50000"/>
+                  </a:schemeClr>
+                </a:solidFill>
+              </a:rPr>
+              <a:t>вид второго глагола</a:t>
+            </a:r>
+          </a:p>
+          <a:p>
+            <a:pPr marL="342900" indent="-342900">
+              <a:buFontTx/>
+              <a:buChar char="-"/>
+            </a:pPr>
+            <a:r>
+              <a:rPr lang="ru-RU" sz="2400" dirty="0" smtClean="0">
+                <a:solidFill>
+                  <a:schemeClr val="bg2">
+                    <a:lumMod val="50000"/>
+                  </a:schemeClr>
+                </a:solidFill>
+              </a:rPr>
+              <a:t>наличие отрицания</a:t>
+            </a:r>
+            <a:r>
+              <a:rPr lang="en-US" sz="2400" dirty="0" smtClean="0">
+                <a:solidFill>
+                  <a:schemeClr val="bg2">
+                    <a:lumMod val="50000"/>
+                  </a:schemeClr>
+                </a:solidFill>
+              </a:rPr>
+              <a:t>/</a:t>
+            </a:r>
+            <a:r>
+              <a:rPr lang="ru-RU" sz="2400" dirty="0" smtClean="0">
+                <a:solidFill>
+                  <a:schemeClr val="bg2">
+                    <a:lumMod val="50000"/>
+                  </a:schemeClr>
+                </a:solidFill>
+              </a:rPr>
+              <a:t>наличие приставки раз- у глагола</a:t>
+            </a:r>
+            <a:r>
+              <a:rPr lang="en-US" sz="2400" dirty="0" smtClean="0">
+                <a:solidFill>
+                  <a:schemeClr val="bg2">
+                    <a:lumMod val="50000"/>
+                  </a:schemeClr>
+                </a:solidFill>
+              </a:rPr>
+              <a:t>/</a:t>
+            </a:r>
+            <a:r>
+              <a:rPr lang="ru-RU" sz="2400" dirty="0" smtClean="0">
+                <a:solidFill>
+                  <a:schemeClr val="bg2">
+                    <a:lumMod val="50000"/>
+                  </a:schemeClr>
+                </a:solidFill>
+              </a:rPr>
+              <a:t>отсутствие инфинитива</a:t>
+            </a:r>
+            <a:r>
+              <a:rPr lang="en-US" sz="2400" dirty="0" smtClean="0">
+                <a:solidFill>
+                  <a:schemeClr val="bg2">
+                    <a:lumMod val="50000"/>
+                  </a:schemeClr>
+                </a:solidFill>
+              </a:rPr>
+              <a:t>/</a:t>
+            </a:r>
+            <a:r>
+              <a:rPr lang="ru-RU" sz="2400" dirty="0" smtClean="0">
+                <a:solidFill>
+                  <a:schemeClr val="bg2">
+                    <a:lumMod val="50000"/>
+                  </a:schemeClr>
+                </a:solidFill>
+              </a:rPr>
+              <a:t>ничего из вышеперечисленного(выделено в один признак)</a:t>
+            </a:r>
+          </a:p>
+          <a:p>
+            <a:pPr marL="342900" indent="-342900">
+              <a:buFontTx/>
+              <a:buChar char="-"/>
+            </a:pPr>
+            <a:r>
+              <a:rPr lang="ru-RU" sz="2400" dirty="0" smtClean="0">
+                <a:solidFill>
+                  <a:schemeClr val="bg2">
+                    <a:lumMod val="50000"/>
+                  </a:schemeClr>
+                </a:solidFill>
+              </a:rPr>
+              <a:t>наличие у второго глагола прямого дополнения</a:t>
+            </a:r>
+          </a:p>
+          <a:p>
+            <a:pPr marL="342900" indent="-342900">
+              <a:buFontTx/>
+              <a:buChar char="-"/>
+            </a:pPr>
+            <a:r>
+              <a:rPr lang="ru-RU" sz="2400" dirty="0" smtClean="0">
+                <a:solidFill>
+                  <a:schemeClr val="bg2">
+                    <a:lumMod val="50000"/>
+                  </a:schemeClr>
+                </a:solidFill>
+              </a:rPr>
+              <a:t>используется ли данный второй глагол с приставкой раз- в другом значении</a:t>
+            </a:r>
+          </a:p>
+          <a:p>
+            <a:pPr marL="342900" indent="-342900">
+              <a:buFontTx/>
+              <a:buChar char="-"/>
+            </a:pPr>
+            <a:r>
+              <a:rPr lang="ru-RU" sz="2400" dirty="0" smtClean="0">
+                <a:solidFill>
+                  <a:schemeClr val="bg2">
+                    <a:lumMod val="50000"/>
+                  </a:schemeClr>
+                </a:solidFill>
+              </a:rPr>
+              <a:t>есть ли слово "обратно"</a:t>
+            </a:r>
+            <a:endParaRPr lang="ru-RU" sz="2400" dirty="0">
+              <a:solidFill>
+                <a:schemeClr val="bg2">
+                  <a:lumMod val="50000"/>
+                </a:schemeClr>
+              </a:solidFill>
+            </a:endParaRPr>
+          </a:p>
+        </p:txBody>
+      </p:sp>
+    </p:spTree>
+    <p:extLst>
+      <p:ext uri="{BB962C8B-B14F-4D97-AF65-F5344CB8AC3E}">
+        <p14:creationId xmlns:p14="http://schemas.microsoft.com/office/powerpoint/2010/main" val="1641778252"/>
+      </p:ext>
+    </p:extLst>
+  </p:cSld>
+  <p:clrMapOvr>
+    <a:masterClrMapping/>
+  </p:clrMapOvr>
+</p:sld>
+</file>
+
+<file path=ppt/slides/slide7.xml><?xml version="1.0" encoding="utf-8"?>
+<p:sld xmlns:a="http://schemas.openxmlformats.org/drawingml/2006/main" xmlns:r="http://schemas.openxmlformats.org/officeDocument/2006/relationships" xmlns:p="http://schemas.openxmlformats.org/presentationml/2006/main" showMasterSp="0">
+  <p:cSld>
+    <p:bg>
+      <p:bgPr>
+        <a:solidFill>
+          <a:schemeClr val="accent3">
+            <a:lumMod val="20000"/>
+            <a:lumOff val="80000"/>
+          </a:schemeClr>
+        </a:solidFill>
+        <a:effectLst/>
+      </p:bgPr>
+    </p:bg>
+    <p:spTree>
+      <p:nvGrpSpPr>
+        <p:cNvPr id="1" name=""/>
+        <p:cNvGrpSpPr/>
+        <p:nvPr/>
+      </p:nvGrpSpPr>
+      <p:grpSpPr>
+        <a:xfrm>
+          <a:off x="0" y="0"/>
+          <a:ext cx="0" cy="0"/>
+          <a:chOff x="0" y="0"/>
+          <a:chExt cx="0" cy="0"/>
+        </a:xfrm>
+      </p:grpSpPr>
+      <p:sp>
+        <p:nvSpPr>
+          <p:cNvPr id="2" name="Заголовок 1"/>
+          <p:cNvSpPr>
+            <a:spLocks noGrp="1"/>
+          </p:cNvSpPr>
+          <p:nvPr>
+            <p:ph type="title"/>
+          </p:nvPr>
+        </p:nvSpPr>
+        <p:spPr>
+          <a:xfrm>
+            <a:off x="701040" y="228600"/>
+            <a:ext cx="10683240" cy="1371600"/>
+          </a:xfrm>
+        </p:spPr>
+        <p:txBody>
+          <a:bodyPr>
+            <a:normAutofit/>
+          </a:bodyPr>
+          <a:lstStyle/>
+          <a:p>
+            <a:r>
+              <a:rPr lang="ru-RU" dirty="0" smtClean="0">
+                <a:solidFill>
+                  <a:schemeClr val="bg2">
+                    <a:lumMod val="50000"/>
+                  </a:schemeClr>
+                </a:solidFill>
+              </a:rPr>
+              <a:t>Дескриптивная статистика</a:t>
+            </a:r>
+            <a:endParaRPr lang="ru-RU" dirty="0">
+              <a:solidFill>
+                <a:schemeClr val="bg2">
+                  <a:lumMod val="50000"/>
+                </a:schemeClr>
+              </a:solidFill>
+            </a:endParaRPr>
+          </a:p>
+        </p:txBody>
+      </p:sp>
+      <p:sp>
+        <p:nvSpPr>
+          <p:cNvPr id="3" name="Прямоугольник 2"/>
+          <p:cNvSpPr/>
+          <p:nvPr/>
+        </p:nvSpPr>
+        <p:spPr>
+          <a:xfrm>
+            <a:off x="701040" y="1600200"/>
+            <a:ext cx="10805160" cy="3416320"/>
+          </a:xfrm>
+          <a:prstGeom prst="rect">
+            <a:avLst/>
+          </a:prstGeom>
+        </p:spPr>
+        <p:txBody>
+          <a:bodyPr wrap="square">
+            <a:spAutoFit/>
+          </a:bodyPr>
+          <a:lstStyle/>
+          <a:p>
+            <a:r>
+              <a:rPr lang="ru-RU" sz="2400" b="1" dirty="0" smtClean="0">
+                <a:solidFill>
+                  <a:schemeClr val="bg2">
+                    <a:lumMod val="50000"/>
+                  </a:schemeClr>
+                </a:solidFill>
+              </a:rPr>
+              <a:t>сделайте мне</a:t>
+            </a:r>
+            <a:r>
+              <a:rPr lang="en-US" sz="2400" dirty="0" smtClean="0">
+                <a:solidFill>
+                  <a:schemeClr val="bg2">
+                    <a:lumMod val="50000"/>
+                  </a:schemeClr>
+                </a:solidFill>
+              </a:rPr>
+              <a:t>: </a:t>
+            </a:r>
+            <a:r>
+              <a:rPr lang="ru-RU" sz="2400" dirty="0" smtClean="0">
+                <a:solidFill>
+                  <a:schemeClr val="bg2">
+                    <a:lumMod val="50000"/>
+                  </a:schemeClr>
+                </a:solidFill>
+              </a:rPr>
+              <a:t>50</a:t>
+            </a:r>
+            <a:endParaRPr lang="en-US" sz="2400" dirty="0" smtClean="0">
+              <a:solidFill>
+                <a:schemeClr val="bg2">
+                  <a:lumMod val="50000"/>
+                </a:schemeClr>
+              </a:solidFill>
+            </a:endParaRPr>
+          </a:p>
+          <a:p>
+            <a:r>
+              <a:rPr lang="ru-RU" sz="2400" b="1" dirty="0" smtClean="0">
+                <a:solidFill>
+                  <a:schemeClr val="bg2">
+                    <a:lumMod val="50000"/>
+                  </a:schemeClr>
+                </a:solidFill>
+              </a:rPr>
+              <a:t>заставьте мне</a:t>
+            </a:r>
+            <a:r>
+              <a:rPr lang="en-US" sz="2400" dirty="0" smtClean="0">
+                <a:solidFill>
+                  <a:schemeClr val="bg2">
+                    <a:lumMod val="50000"/>
+                  </a:schemeClr>
+                </a:solidFill>
+              </a:rPr>
+              <a:t>: </a:t>
+            </a:r>
+            <a:r>
+              <a:rPr lang="ru-RU" sz="2400" dirty="0" smtClean="0">
+                <a:solidFill>
+                  <a:schemeClr val="bg2">
+                    <a:lumMod val="50000"/>
+                  </a:schemeClr>
+                </a:solidFill>
+              </a:rPr>
+              <a:t>49</a:t>
+            </a:r>
+            <a:endParaRPr lang="en-US" sz="2400" dirty="0" smtClean="0">
+              <a:solidFill>
+                <a:schemeClr val="bg2">
+                  <a:lumMod val="50000"/>
+                </a:schemeClr>
+              </a:solidFill>
+            </a:endParaRPr>
+          </a:p>
+          <a:p>
+            <a:r>
+              <a:rPr lang="ru-RU" sz="2400" b="1" dirty="0" smtClean="0">
+                <a:solidFill>
+                  <a:schemeClr val="bg2">
+                    <a:lumMod val="50000"/>
+                  </a:schemeClr>
+                </a:solidFill>
+              </a:rPr>
+              <a:t>сделайте меня</a:t>
+            </a:r>
+            <a:r>
+              <a:rPr lang="en-US" sz="2400" dirty="0" smtClean="0">
+                <a:solidFill>
+                  <a:schemeClr val="bg2">
+                    <a:lumMod val="50000"/>
+                  </a:schemeClr>
+                </a:solidFill>
+              </a:rPr>
+              <a:t>: </a:t>
+            </a:r>
+            <a:r>
+              <a:rPr lang="ru-RU" sz="2400" dirty="0" smtClean="0">
+                <a:solidFill>
+                  <a:schemeClr val="bg2">
+                    <a:lumMod val="50000"/>
+                  </a:schemeClr>
+                </a:solidFill>
+              </a:rPr>
+              <a:t>49</a:t>
+            </a:r>
+            <a:endParaRPr lang="en-US" sz="2400" dirty="0" smtClean="0">
+              <a:solidFill>
+                <a:schemeClr val="bg2">
+                  <a:lumMod val="50000"/>
+                </a:schemeClr>
+              </a:solidFill>
+            </a:endParaRPr>
+          </a:p>
+          <a:p>
+            <a:r>
+              <a:rPr lang="ru-RU" sz="2400" b="1" dirty="0" smtClean="0">
+                <a:solidFill>
+                  <a:schemeClr val="bg2">
+                    <a:lumMod val="50000"/>
+                  </a:schemeClr>
+                </a:solidFill>
+              </a:rPr>
+              <a:t>заставьте меня </a:t>
+            </a:r>
+            <a:r>
+              <a:rPr lang="ru-RU" sz="2400" dirty="0" smtClean="0">
+                <a:solidFill>
+                  <a:schemeClr val="bg2">
+                    <a:lumMod val="50000"/>
+                  </a:schemeClr>
+                </a:solidFill>
+              </a:rPr>
+              <a:t>- не отличить от обычного "заставьте меня что-нибудь", поэтому не брала</a:t>
+            </a:r>
+            <a:endParaRPr lang="en-US" sz="2400" dirty="0" smtClean="0">
+              <a:solidFill>
+                <a:schemeClr val="bg2">
+                  <a:lumMod val="50000"/>
+                </a:schemeClr>
+              </a:solidFill>
+            </a:endParaRPr>
+          </a:p>
+          <a:p>
+            <a:r>
+              <a:rPr lang="ru-RU" sz="2400" b="1" dirty="0" smtClean="0">
+                <a:solidFill>
+                  <a:schemeClr val="bg2">
+                    <a:lumMod val="50000"/>
+                  </a:schemeClr>
+                </a:solidFill>
+              </a:rPr>
+              <a:t>сделайте меня обратно</a:t>
+            </a:r>
+            <a:r>
+              <a:rPr lang="en-US" sz="2400" dirty="0" smtClean="0">
+                <a:solidFill>
+                  <a:schemeClr val="bg2">
+                    <a:lumMod val="50000"/>
+                  </a:schemeClr>
+                </a:solidFill>
+              </a:rPr>
+              <a:t>:</a:t>
+            </a:r>
+            <a:r>
+              <a:rPr lang="ru-RU" sz="2400" dirty="0" smtClean="0">
+                <a:solidFill>
+                  <a:schemeClr val="bg2">
+                    <a:lumMod val="50000"/>
+                  </a:schemeClr>
+                </a:solidFill>
+              </a:rPr>
+              <a:t>11</a:t>
+            </a:r>
+            <a:endParaRPr lang="en-US" sz="2400" dirty="0" smtClean="0">
+              <a:solidFill>
+                <a:schemeClr val="bg2">
+                  <a:lumMod val="50000"/>
+                </a:schemeClr>
+              </a:solidFill>
+            </a:endParaRPr>
+          </a:p>
+          <a:p>
+            <a:r>
+              <a:rPr lang="ru-RU" sz="2400" b="1" dirty="0" smtClean="0">
+                <a:solidFill>
+                  <a:schemeClr val="bg2">
+                    <a:lumMod val="50000"/>
+                  </a:schemeClr>
+                </a:solidFill>
+              </a:rPr>
+              <a:t>сделайте мне обратно</a:t>
+            </a:r>
+            <a:r>
+              <a:rPr lang="en-US" sz="2400" dirty="0" smtClean="0">
+                <a:solidFill>
+                  <a:schemeClr val="bg2">
+                    <a:lumMod val="50000"/>
+                  </a:schemeClr>
+                </a:solidFill>
+              </a:rPr>
+              <a:t>: </a:t>
+            </a:r>
+            <a:r>
+              <a:rPr lang="ru-RU" sz="2400" dirty="0" smtClean="0">
+                <a:solidFill>
+                  <a:schemeClr val="bg2">
+                    <a:lumMod val="50000"/>
+                  </a:schemeClr>
+                </a:solidFill>
+              </a:rPr>
+              <a:t>2</a:t>
+            </a:r>
+            <a:endParaRPr lang="en-US" sz="2400" dirty="0" smtClean="0">
+              <a:solidFill>
+                <a:schemeClr val="bg2">
+                  <a:lumMod val="50000"/>
+                </a:schemeClr>
+              </a:solidFill>
+            </a:endParaRPr>
+          </a:p>
+          <a:p>
+            <a:r>
+              <a:rPr lang="ru-RU" sz="2400" b="1" dirty="0" smtClean="0">
+                <a:solidFill>
+                  <a:schemeClr val="bg2">
+                    <a:lumMod val="50000"/>
+                  </a:schemeClr>
+                </a:solidFill>
+              </a:rPr>
+              <a:t>заставьте меня обратно</a:t>
+            </a:r>
+            <a:r>
+              <a:rPr lang="en-US" sz="2400" dirty="0" smtClean="0">
+                <a:solidFill>
+                  <a:schemeClr val="bg2">
+                    <a:lumMod val="50000"/>
+                  </a:schemeClr>
+                </a:solidFill>
+              </a:rPr>
+              <a:t>:</a:t>
+            </a:r>
+            <a:r>
+              <a:rPr lang="ru-RU" sz="2400" dirty="0" smtClean="0">
+                <a:solidFill>
+                  <a:schemeClr val="bg2">
+                    <a:lumMod val="50000"/>
+                  </a:schemeClr>
+                </a:solidFill>
+              </a:rPr>
+              <a:t>4</a:t>
+            </a:r>
+            <a:endParaRPr lang="en-US" sz="2400" dirty="0">
+              <a:solidFill>
+                <a:schemeClr val="bg2">
+                  <a:lumMod val="50000"/>
+                </a:schemeClr>
+              </a:solidFill>
+            </a:endParaRPr>
+          </a:p>
+          <a:p>
+            <a:r>
+              <a:rPr lang="ru-RU" sz="2400" b="1" dirty="0" smtClean="0">
+                <a:solidFill>
+                  <a:schemeClr val="bg2">
+                    <a:lumMod val="50000"/>
+                  </a:schemeClr>
+                </a:solidFill>
+              </a:rPr>
+              <a:t>заставьте мне обратно </a:t>
+            </a:r>
+            <a:r>
+              <a:rPr lang="ru-RU" sz="2400" dirty="0" smtClean="0">
+                <a:solidFill>
+                  <a:schemeClr val="bg2">
+                    <a:lumMod val="50000"/>
+                  </a:schemeClr>
+                </a:solidFill>
+              </a:rPr>
+              <a:t>- не встретилось ни одного примера</a:t>
+            </a:r>
+            <a:endParaRPr lang="ru-RU" sz="2400" dirty="0">
+              <a:solidFill>
+                <a:schemeClr val="bg2">
+                  <a:lumMod val="50000"/>
+                </a:schemeClr>
+              </a:solidFill>
+            </a:endParaRPr>
+          </a:p>
+        </p:txBody>
+      </p:sp>
+    </p:spTree>
+    <p:extLst>
+      <p:ext uri="{BB962C8B-B14F-4D97-AF65-F5344CB8AC3E}">
+        <p14:creationId xmlns:p14="http://schemas.microsoft.com/office/powerpoint/2010/main" val="1184319036"/>
+      </p:ext>
+    </p:extLst>
+  </p:cSld>
+  <p:clrMapOvr>
+    <a:masterClrMapping/>
+  </p:clrMapOvr>
+</p:sld>
+</file>
+
+<file path=ppt/slides/slide8.xml><?xml version="1.0" encoding="utf-8"?>
+<p:sld xmlns:a="http://schemas.openxmlformats.org/drawingml/2006/main" xmlns:r="http://schemas.openxmlformats.org/officeDocument/2006/relationships" xmlns:p="http://schemas.openxmlformats.org/presentationml/2006/main" showMasterSp="0">
+  <p:cSld>
+    <p:bg>
+      <p:bgPr>
+        <a:solidFill>
+          <a:schemeClr val="accent3">
+            <a:lumMod val="20000"/>
+            <a:lumOff val="80000"/>
+          </a:schemeClr>
+        </a:solidFill>
+        <a:effectLst/>
+      </p:bgPr>
+    </p:bg>
+    <p:spTree>
+      <p:nvGrpSpPr>
+        <p:cNvPr id="1" name=""/>
+        <p:cNvGrpSpPr/>
+        <p:nvPr/>
+      </p:nvGrpSpPr>
+      <p:grpSpPr>
+        <a:xfrm>
+          <a:off x="0" y="0"/>
+          <a:ext cx="0" cy="0"/>
+          <a:chOff x="0" y="0"/>
+          <a:chExt cx="0" cy="0"/>
+        </a:xfrm>
+      </p:grpSpPr>
+      <p:sp>
+        <p:nvSpPr>
+          <p:cNvPr id="2" name="Заголовок 1"/>
+          <p:cNvSpPr>
+            <a:spLocks noGrp="1"/>
+          </p:cNvSpPr>
+          <p:nvPr>
+            <p:ph type="title"/>
+          </p:nvPr>
+        </p:nvSpPr>
+        <p:spPr>
+          <a:xfrm>
+            <a:off x="701040" y="228600"/>
+            <a:ext cx="10683240" cy="1371600"/>
+          </a:xfrm>
+        </p:spPr>
+        <p:txBody>
+          <a:bodyPr>
+            <a:normAutofit fontScale="90000"/>
+          </a:bodyPr>
+          <a:lstStyle/>
+          <a:p>
+            <a:r>
+              <a:rPr lang="ru-RU" dirty="0" smtClean="0">
+                <a:solidFill>
+                  <a:schemeClr val="bg2">
+                    <a:lumMod val="50000"/>
+                  </a:schemeClr>
+                </a:solidFill>
+              </a:rPr>
+              <a:t>Дескриптивная статистика: корреляция</a:t>
+            </a:r>
+            <a:endParaRPr lang="ru-RU" dirty="0">
+              <a:solidFill>
+                <a:schemeClr val="bg2">
+                  <a:lumMod val="50000"/>
+                </a:schemeClr>
+              </a:solidFill>
+            </a:endParaRPr>
+          </a:p>
+        </p:txBody>
+      </p:sp>
+      <p:pic>
+        <p:nvPicPr>
+          <p:cNvPr id="4" name="Изображение 3"/>
+          <p:cNvPicPr>
+            <a:picLocks noChangeAspect="1"/>
+          </p:cNvPicPr>
+          <p:nvPr/>
+        </p:nvPicPr>
+        <p:blipFill>
+          <a:blip r:embed="rId2">
+            <a:extLst>
+              <a:ext uri="{28A0092B-C50C-407E-A947-70E740481C1C}">
+                <a14:useLocalDpi xmlns:a14="http://schemas.microsoft.com/office/drawing/2010/main" val="0"/>
+              </a:ext>
+            </a:extLst>
+          </a:blip>
+          <a:stretch>
+            <a:fillRect/>
+          </a:stretch>
+        </p:blipFill>
+        <p:spPr>
+          <a:xfrm>
+            <a:off x="2674620" y="1950720"/>
+            <a:ext cx="6736080" cy="4571304"/>
+          </a:xfrm>
+          <a:prstGeom prst="rect">
+            <a:avLst/>
+          </a:prstGeom>
+        </p:spPr>
+      </p:pic>
+    </p:spTree>
+    <p:extLst>
+      <p:ext uri="{BB962C8B-B14F-4D97-AF65-F5344CB8AC3E}">
+        <p14:creationId xmlns:p14="http://schemas.microsoft.com/office/powerpoint/2010/main" val="1366931182"/>
+      </p:ext>
+    </p:extLst>
+  </p:cSld>
+  <p:clrMapOvr>
+    <a:masterClrMapping/>
+  </p:clrMapOvr>
+</p:sld>
+</file>
+
+<file path=ppt/slides/slide9.xml><?xml version="1.0" encoding="utf-8"?>
+<p:sld xmlns:a="http://schemas.openxmlformats.org/drawingml/2006/main" xmlns:r="http://schemas.openxmlformats.org/officeDocument/2006/relationships" xmlns:p="http://schemas.openxmlformats.org/presentationml/2006/main" showMasterSp="0">
+  <p:cSld>
+    <p:bg>
+      <p:bgPr>
+        <a:solidFill>
+          <a:schemeClr val="accent3">
+            <a:lumMod val="20000"/>
+            <a:lumOff val="80000"/>
+          </a:schemeClr>
+        </a:solidFill>
+        <a:effectLst/>
+      </p:bgPr>
+    </p:bg>
+    <p:spTree>
+      <p:nvGrpSpPr>
+        <p:cNvPr id="1" name=""/>
+        <p:cNvGrpSpPr/>
+        <p:nvPr/>
+      </p:nvGrpSpPr>
+      <p:grpSpPr>
+        <a:xfrm>
+          <a:off x="0" y="0"/>
+          <a:ext cx="0" cy="0"/>
+          <a:chOff x="0" y="0"/>
+          <a:chExt cx="0" cy="0"/>
+        </a:xfrm>
+      </p:grpSpPr>
+      <p:sp>
+        <p:nvSpPr>
+          <p:cNvPr id="2" name="Заголовок 1"/>
+          <p:cNvSpPr>
+            <a:spLocks noGrp="1"/>
+          </p:cNvSpPr>
+          <p:nvPr>
+            <p:ph type="title"/>
+          </p:nvPr>
+        </p:nvSpPr>
+        <p:spPr>
+          <a:xfrm>
+            <a:off x="701040" y="228600"/>
+            <a:ext cx="10683240" cy="1371600"/>
+          </a:xfrm>
+        </p:spPr>
+        <p:txBody>
+          <a:bodyPr>
+            <a:normAutofit fontScale="90000"/>
+          </a:bodyPr>
+          <a:lstStyle/>
+          <a:p>
+            <a:r>
+              <a:rPr lang="ru-RU" dirty="0" smtClean="0">
+                <a:solidFill>
+                  <a:schemeClr val="bg2">
+                    <a:lumMod val="50000"/>
+                  </a:schemeClr>
+                </a:solidFill>
+              </a:rPr>
+              <a:t>Дескриптивная статистика: корреляция</a:t>
+            </a:r>
+            <a:endParaRPr lang="ru-RU" dirty="0">
+              <a:solidFill>
+                <a:schemeClr val="bg2">
+                  <a:lumMod val="50000"/>
+                </a:schemeClr>
+              </a:solidFill>
+            </a:endParaRPr>
+          </a:p>
+        </p:txBody>
+      </p:sp>
+      <p:sp>
+        <p:nvSpPr>
+          <p:cNvPr id="3" name="Прямоугольник 2"/>
+          <p:cNvSpPr/>
+          <p:nvPr/>
+        </p:nvSpPr>
+        <p:spPr>
+          <a:xfrm>
+            <a:off x="701040" y="1720840"/>
+            <a:ext cx="10683240" cy="3046988"/>
+          </a:xfrm>
+          <a:prstGeom prst="rect">
+            <a:avLst/>
+          </a:prstGeom>
+        </p:spPr>
+        <p:txBody>
+          <a:bodyPr wrap="square">
+            <a:spAutoFit/>
+          </a:bodyPr>
+          <a:lstStyle/>
+          <a:p>
+            <a:pPr marL="457200" indent="-457200">
+              <a:buAutoNum type="arabicPeriod"/>
+            </a:pPr>
+            <a:r>
+              <a:rPr lang="en-US" sz="2400" dirty="0" smtClean="0">
+                <a:solidFill>
+                  <a:schemeClr val="bg2">
+                    <a:lumMod val="50000"/>
+                  </a:schemeClr>
+                </a:solidFill>
+              </a:rPr>
+              <a:t>Target ~ Make: X-squared = 38.477, </a:t>
+            </a:r>
+            <a:r>
+              <a:rPr lang="en-US" sz="2400" dirty="0" err="1" smtClean="0">
+                <a:solidFill>
+                  <a:schemeClr val="bg2">
+                    <a:lumMod val="50000"/>
+                  </a:schemeClr>
+                </a:solidFill>
+              </a:rPr>
+              <a:t>df</a:t>
+            </a:r>
+            <a:r>
+              <a:rPr lang="en-US" sz="2400" dirty="0" smtClean="0">
+                <a:solidFill>
+                  <a:schemeClr val="bg2">
+                    <a:lumMod val="50000"/>
+                  </a:schemeClr>
+                </a:solidFill>
+              </a:rPr>
+              <a:t> = 1, </a:t>
+            </a:r>
+            <a:r>
+              <a:rPr lang="en-US" sz="2400" b="1" dirty="0" smtClean="0">
+                <a:solidFill>
+                  <a:schemeClr val="bg2">
+                    <a:lumMod val="50000"/>
+                  </a:schemeClr>
+                </a:solidFill>
+              </a:rPr>
+              <a:t>p-value</a:t>
+            </a:r>
+            <a:r>
+              <a:rPr lang="en-US" sz="2400" dirty="0" smtClean="0">
+                <a:solidFill>
+                  <a:schemeClr val="bg2">
+                    <a:lumMod val="50000"/>
+                  </a:schemeClr>
+                </a:solidFill>
+              </a:rPr>
+              <a:t> = </a:t>
+            </a:r>
+            <a:r>
+              <a:rPr lang="en-US" sz="2400" b="1" dirty="0" smtClean="0">
+                <a:solidFill>
+                  <a:schemeClr val="bg2">
+                    <a:lumMod val="50000"/>
+                  </a:schemeClr>
+                </a:solidFill>
+              </a:rPr>
+              <a:t>5.54e-10</a:t>
+            </a:r>
+            <a:r>
+              <a:rPr lang="ru-RU" sz="2400" dirty="0" smtClean="0">
+                <a:solidFill>
+                  <a:schemeClr val="bg2">
+                    <a:lumMod val="50000"/>
+                  </a:schemeClr>
+                </a:solidFill>
+              </a:rPr>
+              <a:t> </a:t>
+            </a:r>
+            <a:r>
+              <a:rPr lang="en-US" sz="2400" dirty="0" smtClean="0">
+                <a:solidFill>
+                  <a:schemeClr val="bg2">
+                    <a:lumMod val="50000"/>
+                  </a:schemeClr>
+                </a:solidFill>
+              </a:rPr>
+              <a:t>- </a:t>
+            </a:r>
+            <a:r>
+              <a:rPr lang="en-US" sz="2400" dirty="0" err="1" smtClean="0">
+                <a:solidFill>
+                  <a:schemeClr val="bg2">
+                    <a:lumMod val="50000"/>
+                  </a:schemeClr>
+                </a:solidFill>
+              </a:rPr>
+              <a:t>есть</a:t>
+            </a:r>
+            <a:r>
+              <a:rPr lang="en-US" sz="2400" dirty="0" smtClean="0">
+                <a:solidFill>
+                  <a:schemeClr val="bg2">
+                    <a:lumMod val="50000"/>
+                  </a:schemeClr>
+                </a:solidFill>
+              </a:rPr>
+              <a:t> </a:t>
+            </a:r>
+            <a:r>
+              <a:rPr lang="ru-RU" sz="2400" dirty="0" smtClean="0">
+                <a:solidFill>
+                  <a:schemeClr val="bg2">
+                    <a:lumMod val="50000"/>
+                  </a:schemeClr>
+                </a:solidFill>
+              </a:rPr>
+              <a:t>корреляция</a:t>
+            </a:r>
+            <a:endParaRPr lang="en-US" sz="2400" dirty="0" smtClean="0">
+              <a:solidFill>
+                <a:schemeClr val="bg2">
+                  <a:lumMod val="50000"/>
+                </a:schemeClr>
+              </a:solidFill>
+            </a:endParaRPr>
+          </a:p>
+          <a:p>
+            <a:pPr marL="457200" indent="-457200">
+              <a:buAutoNum type="arabicPeriod"/>
+            </a:pPr>
+            <a:r>
+              <a:rPr lang="en-US" sz="2400" dirty="0" smtClean="0">
+                <a:solidFill>
+                  <a:schemeClr val="bg2">
+                    <a:lumMod val="50000"/>
+                  </a:schemeClr>
+                </a:solidFill>
+              </a:rPr>
+              <a:t>Target ~ </a:t>
+            </a:r>
+            <a:r>
+              <a:rPr lang="en-US" sz="2400" dirty="0" err="1" smtClean="0">
+                <a:solidFill>
+                  <a:schemeClr val="bg2">
+                    <a:lumMod val="50000"/>
+                  </a:schemeClr>
+                </a:solidFill>
+              </a:rPr>
+              <a:t>Is_Back</a:t>
+            </a:r>
+            <a:r>
+              <a:rPr lang="en-US" sz="2400" dirty="0" smtClean="0">
+                <a:solidFill>
+                  <a:schemeClr val="bg2">
+                    <a:lumMod val="50000"/>
+                  </a:schemeClr>
+                </a:solidFill>
+              </a:rPr>
+              <a:t>: X-squared = 23.346, </a:t>
+            </a:r>
+            <a:r>
+              <a:rPr lang="en-US" sz="2400" dirty="0" err="1" smtClean="0">
+                <a:solidFill>
+                  <a:schemeClr val="bg2">
+                    <a:lumMod val="50000"/>
+                  </a:schemeClr>
+                </a:solidFill>
+              </a:rPr>
+              <a:t>df</a:t>
+            </a:r>
+            <a:r>
+              <a:rPr lang="en-US" sz="2400" dirty="0" smtClean="0">
+                <a:solidFill>
+                  <a:schemeClr val="bg2">
+                    <a:lumMod val="50000"/>
+                  </a:schemeClr>
+                </a:solidFill>
+              </a:rPr>
+              <a:t> = 1, </a:t>
+            </a:r>
+            <a:r>
+              <a:rPr lang="en-US" sz="2400" b="1" dirty="0" smtClean="0">
+                <a:solidFill>
+                  <a:schemeClr val="bg2">
+                    <a:lumMod val="50000"/>
+                  </a:schemeClr>
+                </a:solidFill>
+              </a:rPr>
+              <a:t>p-value = 1.353e-06 </a:t>
+            </a:r>
+            <a:r>
+              <a:rPr lang="en-US" sz="2400" dirty="0" smtClean="0">
+                <a:solidFill>
+                  <a:schemeClr val="bg2">
+                    <a:lumMod val="50000"/>
+                  </a:schemeClr>
+                </a:solidFill>
+              </a:rPr>
+              <a:t>- </a:t>
+            </a:r>
+            <a:r>
+              <a:rPr lang="en-US" sz="2400" dirty="0" err="1" smtClean="0">
+                <a:solidFill>
+                  <a:schemeClr val="bg2">
+                    <a:lumMod val="50000"/>
+                  </a:schemeClr>
+                </a:solidFill>
+              </a:rPr>
+              <a:t>есть</a:t>
+            </a:r>
+            <a:r>
+              <a:rPr lang="en-US" sz="2400" dirty="0" smtClean="0">
+                <a:solidFill>
+                  <a:schemeClr val="bg2">
+                    <a:lumMod val="50000"/>
+                  </a:schemeClr>
+                </a:solidFill>
+              </a:rPr>
+              <a:t> </a:t>
+            </a:r>
+            <a:r>
+              <a:rPr lang="ru-RU" sz="2400" dirty="0" smtClean="0">
+                <a:solidFill>
+                  <a:schemeClr val="bg2">
+                    <a:lumMod val="50000"/>
+                  </a:schemeClr>
+                </a:solidFill>
+              </a:rPr>
+              <a:t>корреляция</a:t>
+            </a:r>
+            <a:endParaRPr lang="en-US" sz="2400" dirty="0" smtClean="0">
+              <a:solidFill>
+                <a:schemeClr val="bg2">
+                  <a:lumMod val="50000"/>
+                </a:schemeClr>
+              </a:solidFill>
+            </a:endParaRPr>
+          </a:p>
+          <a:p>
+            <a:pPr marL="457200" indent="-457200">
+              <a:buAutoNum type="arabicPeriod"/>
+            </a:pPr>
+            <a:r>
+              <a:rPr lang="en-US" sz="2400" dirty="0" smtClean="0">
+                <a:solidFill>
+                  <a:schemeClr val="bg2">
+                    <a:lumMod val="50000"/>
+                  </a:schemeClr>
+                </a:solidFill>
+              </a:rPr>
+              <a:t>Target ~ </a:t>
+            </a:r>
+            <a:r>
+              <a:rPr lang="en-US" sz="2400" dirty="0" err="1" smtClean="0">
+                <a:solidFill>
+                  <a:schemeClr val="bg2">
+                    <a:lumMod val="50000"/>
+                  </a:schemeClr>
+                </a:solidFill>
+              </a:rPr>
+              <a:t>Neg</a:t>
+            </a:r>
+            <a:r>
+              <a:rPr lang="en-US" sz="2400" dirty="0" smtClean="0">
+                <a:solidFill>
+                  <a:schemeClr val="bg2">
+                    <a:lumMod val="50000"/>
+                  </a:schemeClr>
+                </a:solidFill>
+              </a:rPr>
+              <a:t>:  X-squared = 7.3305, </a:t>
+            </a:r>
+            <a:r>
+              <a:rPr lang="en-US" sz="2400" dirty="0" err="1" smtClean="0">
+                <a:solidFill>
+                  <a:schemeClr val="bg2">
+                    <a:lumMod val="50000"/>
+                  </a:schemeClr>
+                </a:solidFill>
+              </a:rPr>
+              <a:t>df</a:t>
+            </a:r>
+            <a:r>
+              <a:rPr lang="en-US" sz="2400" dirty="0" smtClean="0">
+                <a:solidFill>
+                  <a:schemeClr val="bg2">
+                    <a:lumMod val="50000"/>
+                  </a:schemeClr>
+                </a:solidFill>
+              </a:rPr>
+              <a:t> = 3, </a:t>
+            </a:r>
+            <a:r>
+              <a:rPr lang="en-US" sz="2400" b="1" dirty="0" smtClean="0">
+                <a:solidFill>
+                  <a:schemeClr val="bg2">
+                    <a:lumMod val="50000"/>
+                  </a:schemeClr>
+                </a:solidFill>
+              </a:rPr>
+              <a:t>p-value = 0.06208</a:t>
+            </a:r>
+            <a:r>
+              <a:rPr lang="en-US" sz="2400" dirty="0" smtClean="0">
+                <a:solidFill>
+                  <a:schemeClr val="bg2">
+                    <a:lumMod val="50000"/>
+                  </a:schemeClr>
+                </a:solidFill>
+              </a:rPr>
+              <a:t> - </a:t>
+            </a:r>
+            <a:r>
+              <a:rPr lang="en-US" sz="2400" dirty="0" err="1" smtClean="0">
+                <a:solidFill>
+                  <a:schemeClr val="bg2">
+                    <a:lumMod val="50000"/>
+                  </a:schemeClr>
+                </a:solidFill>
+              </a:rPr>
+              <a:t>слишком</a:t>
+            </a:r>
+            <a:r>
+              <a:rPr lang="en-US" sz="2400" dirty="0" smtClean="0">
+                <a:solidFill>
+                  <a:schemeClr val="bg2">
+                    <a:lumMod val="50000"/>
+                  </a:schemeClr>
+                </a:solidFill>
+              </a:rPr>
+              <a:t> </a:t>
+            </a:r>
+            <a:r>
+              <a:rPr lang="en-US" sz="2400" dirty="0" err="1" smtClean="0">
+                <a:solidFill>
+                  <a:schemeClr val="bg2">
+                    <a:lumMod val="50000"/>
+                  </a:schemeClr>
+                </a:solidFill>
+              </a:rPr>
+              <a:t>большое</a:t>
+            </a:r>
+            <a:r>
+              <a:rPr lang="en-US" sz="2400" dirty="0" smtClean="0">
+                <a:solidFill>
+                  <a:schemeClr val="bg2">
+                    <a:lumMod val="50000"/>
+                  </a:schemeClr>
+                </a:solidFill>
+              </a:rPr>
+              <a:t> </a:t>
+            </a:r>
+            <a:r>
+              <a:rPr lang="en-US" sz="2400" dirty="0" err="1" smtClean="0">
+                <a:solidFill>
+                  <a:schemeClr val="bg2">
+                    <a:lumMod val="50000"/>
+                  </a:schemeClr>
+                </a:solidFill>
+              </a:rPr>
+              <a:t>значение</a:t>
+            </a:r>
+            <a:r>
+              <a:rPr lang="en-US" sz="2400" dirty="0" smtClean="0">
+                <a:solidFill>
+                  <a:schemeClr val="bg2">
+                    <a:lumMod val="50000"/>
+                  </a:schemeClr>
+                </a:solidFill>
+              </a:rPr>
+              <a:t> p-value</a:t>
+            </a:r>
+            <a:r>
+              <a:rPr lang="ru-RU" sz="2400" dirty="0" smtClean="0">
+                <a:solidFill>
+                  <a:schemeClr val="bg2">
+                    <a:lumMod val="50000"/>
+                  </a:schemeClr>
+                </a:solidFill>
+              </a:rPr>
+              <a:t> (нет корреляции)</a:t>
+            </a:r>
+            <a:endParaRPr lang="en-US" sz="2400" dirty="0" smtClean="0">
+              <a:solidFill>
+                <a:schemeClr val="bg2">
+                  <a:lumMod val="50000"/>
+                </a:schemeClr>
+              </a:solidFill>
+            </a:endParaRPr>
+          </a:p>
+          <a:p>
+            <a:pPr marL="457200" indent="-457200">
+              <a:buAutoNum type="arabicPeriod"/>
+            </a:pPr>
+            <a:r>
+              <a:rPr lang="en-US" sz="2400" dirty="0" err="1" smtClean="0">
+                <a:solidFill>
+                  <a:schemeClr val="bg2">
+                    <a:lumMod val="50000"/>
+                  </a:schemeClr>
+                </a:solidFill>
+              </a:rPr>
+              <a:t>Посмотрим</a:t>
+            </a:r>
+            <a:r>
+              <a:rPr lang="en-US" sz="2400" dirty="0" smtClean="0">
+                <a:solidFill>
+                  <a:schemeClr val="bg2">
+                    <a:lumMod val="50000"/>
+                  </a:schemeClr>
+                </a:solidFill>
+              </a:rPr>
+              <a:t> </a:t>
+            </a:r>
+            <a:r>
+              <a:rPr lang="ru-RU" sz="2400" dirty="0" smtClean="0">
+                <a:solidFill>
+                  <a:schemeClr val="bg2">
+                    <a:lumMod val="50000"/>
+                  </a:schemeClr>
+                </a:solidFill>
+              </a:rPr>
+              <a:t>еще</a:t>
+            </a:r>
+            <a:r>
+              <a:rPr lang="en-US" sz="2400" dirty="0" smtClean="0">
+                <a:solidFill>
+                  <a:schemeClr val="bg2">
+                    <a:lumMod val="50000"/>
+                  </a:schemeClr>
+                </a:solidFill>
+              </a:rPr>
+              <a:t>, </a:t>
+            </a:r>
+            <a:r>
+              <a:rPr lang="en-US" sz="2400" dirty="0" err="1" smtClean="0">
+                <a:solidFill>
+                  <a:schemeClr val="bg2">
+                    <a:lumMod val="50000"/>
+                  </a:schemeClr>
+                </a:solidFill>
+              </a:rPr>
+              <a:t>коррелируют</a:t>
+            </a:r>
+            <a:r>
+              <a:rPr lang="en-US" sz="2400" dirty="0" smtClean="0">
+                <a:solidFill>
+                  <a:schemeClr val="bg2">
+                    <a:lumMod val="50000"/>
+                  </a:schemeClr>
+                </a:solidFill>
+              </a:rPr>
+              <a:t> </a:t>
+            </a:r>
+            <a:r>
+              <a:rPr lang="en-US" sz="2400" dirty="0" err="1" smtClean="0">
+                <a:solidFill>
+                  <a:schemeClr val="bg2">
+                    <a:lumMod val="50000"/>
+                  </a:schemeClr>
+                </a:solidFill>
+              </a:rPr>
+              <a:t>ли</a:t>
+            </a:r>
+            <a:r>
+              <a:rPr lang="en-US" sz="2400" dirty="0" smtClean="0">
+                <a:solidFill>
+                  <a:schemeClr val="bg2">
+                    <a:lumMod val="50000"/>
+                  </a:schemeClr>
+                </a:solidFill>
+              </a:rPr>
+              <a:t> </a:t>
+            </a:r>
+            <a:r>
+              <a:rPr lang="en-US" sz="2400" dirty="0" err="1" smtClean="0">
+                <a:solidFill>
+                  <a:schemeClr val="bg2">
+                    <a:lumMod val="50000"/>
+                  </a:schemeClr>
+                </a:solidFill>
+              </a:rPr>
+              <a:t>между</a:t>
+            </a:r>
+            <a:r>
+              <a:rPr lang="en-US" sz="2400" dirty="0" smtClean="0">
+                <a:solidFill>
+                  <a:schemeClr val="bg2">
+                    <a:lumMod val="50000"/>
+                  </a:schemeClr>
+                </a:solidFill>
+              </a:rPr>
+              <a:t> </a:t>
+            </a:r>
+            <a:r>
+              <a:rPr lang="en-US" sz="2400" dirty="0" err="1" smtClean="0">
+                <a:solidFill>
+                  <a:schemeClr val="bg2">
+                    <a:lumMod val="50000"/>
+                  </a:schemeClr>
+                </a:solidFill>
+              </a:rPr>
+              <a:t>собой</a:t>
+            </a:r>
+            <a:r>
+              <a:rPr lang="en-US" sz="2400" dirty="0" smtClean="0">
+                <a:solidFill>
+                  <a:schemeClr val="bg2">
+                    <a:lumMod val="50000"/>
+                  </a:schemeClr>
+                </a:solidFill>
+              </a:rPr>
+              <a:t> Make </a:t>
+            </a:r>
+            <a:r>
+              <a:rPr lang="en-US" sz="2400" dirty="0" err="1" smtClean="0">
+                <a:solidFill>
+                  <a:schemeClr val="bg2">
+                    <a:lumMod val="50000"/>
+                  </a:schemeClr>
+                </a:solidFill>
+              </a:rPr>
+              <a:t>и</a:t>
+            </a:r>
+            <a:r>
+              <a:rPr lang="en-US" sz="2400" dirty="0" smtClean="0">
+                <a:solidFill>
+                  <a:schemeClr val="bg2">
+                    <a:lumMod val="50000"/>
+                  </a:schemeClr>
+                </a:solidFill>
+              </a:rPr>
+              <a:t> </a:t>
+            </a:r>
+            <a:r>
+              <a:rPr lang="en-US" sz="2400" dirty="0" err="1" smtClean="0">
+                <a:solidFill>
+                  <a:schemeClr val="bg2">
+                    <a:lumMod val="50000"/>
+                  </a:schemeClr>
+                </a:solidFill>
+              </a:rPr>
+              <a:t>Is_Back</a:t>
+            </a:r>
+            <a:r>
+              <a:rPr lang="en-US" sz="2400" dirty="0" smtClean="0">
+                <a:solidFill>
+                  <a:schemeClr val="bg2">
+                    <a:lumMod val="50000"/>
+                  </a:schemeClr>
+                </a:solidFill>
+              </a:rPr>
+              <a:t>: X-squared = 1.7112, </a:t>
+            </a:r>
+            <a:r>
+              <a:rPr lang="en-US" sz="2400" dirty="0" err="1" smtClean="0">
+                <a:solidFill>
+                  <a:schemeClr val="bg2">
+                    <a:lumMod val="50000"/>
+                  </a:schemeClr>
+                </a:solidFill>
+              </a:rPr>
+              <a:t>df</a:t>
+            </a:r>
+            <a:r>
+              <a:rPr lang="en-US" sz="2400" dirty="0" smtClean="0">
+                <a:solidFill>
+                  <a:schemeClr val="bg2">
+                    <a:lumMod val="50000"/>
+                  </a:schemeClr>
+                </a:solidFill>
+              </a:rPr>
+              <a:t> = 1, </a:t>
+            </a:r>
+            <a:r>
+              <a:rPr lang="en-US" sz="2400" b="1" dirty="0" smtClean="0">
+                <a:solidFill>
+                  <a:schemeClr val="bg2">
+                    <a:lumMod val="50000"/>
+                  </a:schemeClr>
+                </a:solidFill>
+              </a:rPr>
+              <a:t>p-value = 0.1908</a:t>
+            </a:r>
+            <a:r>
+              <a:rPr lang="ru-RU" sz="2400" b="1" dirty="0" smtClean="0">
+                <a:solidFill>
+                  <a:schemeClr val="bg2">
+                    <a:lumMod val="50000"/>
+                  </a:schemeClr>
+                </a:solidFill>
+              </a:rPr>
+              <a:t> (нет корреляции)</a:t>
+            </a:r>
+            <a:endParaRPr lang="ru-RU" sz="2400" b="1" dirty="0">
+              <a:solidFill>
+                <a:schemeClr val="bg2">
+                  <a:lumMod val="50000"/>
+                </a:schemeClr>
+              </a:solidFill>
+            </a:endParaRPr>
+          </a:p>
+        </p:txBody>
+      </p:sp>
+    </p:spTree>
+    <p:extLst>
+      <p:ext uri="{BB962C8B-B14F-4D97-AF65-F5344CB8AC3E}">
+        <p14:creationId xmlns:p14="http://schemas.microsoft.com/office/powerpoint/2010/main" val="112030449"/>
       </p:ext>
     </p:extLst>
   </p:cSld>

--- a/Презентация.pptx
+++ b/Презентация.pptx
@@ -115,24 +115,21 @@
       </a:defRPr>
     </a:lvl9pPr>
   </p:defaultTextStyle>
+  <p:extLst>
+    <p:ext uri="{EFAFB233-063F-42B5-8137-9DF3F51BA10A}">
+      <p15:sldGuideLst xmlns:p15="http://schemas.microsoft.com/office/powerpoint/2012/main"/>
+    </p:ext>
+  </p:extLst>
 </p:presentation>
 </file>
 
 <file path=ppt/commentAuthors.xml><?xml version="1.0" encoding="utf-8"?>
 <p:cmAuthorLst xmlns:a="http://schemas.openxmlformats.org/drawingml/2006/main" xmlns:r="http://schemas.openxmlformats.org/officeDocument/2006/relationships" xmlns:p="http://schemas.openxmlformats.org/presentationml/2006/main">
   <p:cmAuthor id="1" name="Зеленкова Валерия Игоревна" initials="ЗВИ" lastIdx="1" clrIdx="0">
-    <p:extLst>
-      <p:ext uri="{19B8F6BF-5375-455C-9EA6-DF929625EA0E}">
-        <p15:presenceInfo xmlns:p15="http://schemas.microsoft.com/office/powerpoint/2012/main" userId="" providerId=""/>
-      </p:ext>
-    </p:extLst>
+    <p:extLst/>
   </p:cmAuthor>
   <p:cmAuthor id="2" name="Зеленкова Валерия Игоревна" initials="ЗВИ [2]" lastIdx="1" clrIdx="1">
-    <p:extLst>
-      <p:ext uri="{19B8F6BF-5375-455C-9EA6-DF929625EA0E}">
-        <p15:presenceInfo xmlns:p15="http://schemas.microsoft.com/office/powerpoint/2012/main" userId="" providerId=""/>
-      </p:ext>
-    </p:extLst>
+    <p:extLst/>
   </p:cmAuthor>
 </p:cmAuthorLst>
 </file>
@@ -4656,7 +4653,7 @@
       </p:sp>
       <p:pic>
         <p:nvPicPr>
-          <p:cNvPr id="4" name="Изображение 3"/>
+          <p:cNvPr id="5" name="Изображение 4"/>
           <p:cNvPicPr>
             <a:picLocks noChangeAspect="1"/>
           </p:cNvPicPr>
@@ -4676,8 +4673,8 @@
         </p:blipFill>
         <p:spPr>
           <a:xfrm>
-            <a:off x="2242307" y="1600200"/>
-            <a:ext cx="7600705" cy="4625340"/>
+            <a:off x="2984962" y="1483822"/>
+            <a:ext cx="6115396" cy="5257800"/>
           </a:xfrm>
           <a:prstGeom prst="rect">
             <a:avLst/>
@@ -4941,7 +4938,7 @@
         <p:spPr>
           <a:xfrm>
             <a:off x="899160" y="1415534"/>
-            <a:ext cx="4015843" cy="1200329"/>
+            <a:ext cx="9475124" cy="4893647"/>
           </a:xfrm>
           <a:prstGeom prst="rect">
             <a:avLst/>
@@ -4949,7 +4946,7 @@
           <a:noFill/>
         </p:spPr>
         <p:txBody>
-          <a:bodyPr wrap="none" rtlCol="0">
+          <a:bodyPr wrap="square" rtlCol="0">
             <a:spAutoFit/>
           </a:bodyPr>
           <a:lstStyle/>
@@ -4975,6 +4972,9 @@
             </a:endParaRPr>
           </a:p>
           <a:p>
+            <a:pPr marL="457200" indent="-457200">
+              <a:buAutoNum type="arabicParenR"/>
+            </a:pPr>
             <a:r>
               <a:rPr lang="ru-RU" sz="2400" dirty="0" smtClean="0">
                 <a:solidFill>
@@ -4983,8 +4983,172 @@
                   </a:schemeClr>
                 </a:solidFill>
               </a:rPr>
-              <a:t>Возможно, мало данных</a:t>
-            </a:r>
+              <a:t>Возможно</a:t>
+            </a:r>
+            <a:r>
+              <a:rPr lang="ru-RU" sz="2400" dirty="0" smtClean="0">
+                <a:solidFill>
+                  <a:schemeClr val="bg2">
+                    <a:lumMod val="50000"/>
+                  </a:schemeClr>
+                </a:solidFill>
+              </a:rPr>
+              <a:t>, мало </a:t>
+            </a:r>
+            <a:r>
+              <a:rPr lang="ru-RU" sz="2400" dirty="0" smtClean="0">
+                <a:solidFill>
+                  <a:schemeClr val="bg2">
+                    <a:lumMod val="50000"/>
+                  </a:schemeClr>
+                </a:solidFill>
+              </a:rPr>
+              <a:t>данных</a:t>
+            </a:r>
+            <a:endParaRPr lang="en-US" sz="2400" dirty="0" smtClean="0">
+              <a:solidFill>
+                <a:schemeClr val="bg2">
+                  <a:lumMod val="50000"/>
+                </a:schemeClr>
+              </a:solidFill>
+            </a:endParaRPr>
+          </a:p>
+          <a:p>
+            <a:pPr marL="457200" indent="-457200">
+              <a:buAutoNum type="arabicParenR"/>
+            </a:pPr>
+            <a:r>
+              <a:rPr lang="ru-RU" sz="2400" dirty="0" smtClean="0">
+                <a:solidFill>
+                  <a:schemeClr val="bg2">
+                    <a:lumMod val="50000"/>
+                  </a:schemeClr>
+                </a:solidFill>
+              </a:rPr>
+              <a:t>На выбор местоимения сильно влияет глагол (в первую очередь): сделайте -</a:t>
+            </a:r>
+            <a:r>
+              <a:rPr lang="en-US" sz="2400" dirty="0" smtClean="0">
+                <a:solidFill>
+                  <a:schemeClr val="bg2">
+                    <a:lumMod val="50000"/>
+                  </a:schemeClr>
+                </a:solidFill>
+              </a:rPr>
+              <a:t>&gt; </a:t>
+            </a:r>
+            <a:r>
+              <a:rPr lang="ru-RU" sz="2400" dirty="0" smtClean="0">
+                <a:solidFill>
+                  <a:schemeClr val="bg2">
+                    <a:lumMod val="50000"/>
+                  </a:schemeClr>
+                </a:solidFill>
+              </a:rPr>
+              <a:t>мне</a:t>
+            </a:r>
+            <a:endParaRPr lang="en-US" sz="2400" dirty="0" smtClean="0">
+              <a:solidFill>
+                <a:schemeClr val="bg2">
+                  <a:lumMod val="50000"/>
+                </a:schemeClr>
+              </a:solidFill>
+            </a:endParaRPr>
+          </a:p>
+          <a:p>
+            <a:pPr marL="457200" indent="-457200">
+              <a:buAutoNum type="arabicParenR"/>
+            </a:pPr>
+            <a:endParaRPr lang="ru-RU" sz="2400" dirty="0" smtClean="0">
+              <a:solidFill>
+                <a:schemeClr val="bg2">
+                  <a:lumMod val="50000"/>
+                </a:schemeClr>
+              </a:solidFill>
+            </a:endParaRPr>
+          </a:p>
+          <a:p>
+            <a:pPr marL="457200" indent="-457200">
+              <a:buAutoNum type="arabicParenR"/>
+            </a:pPr>
+            <a:endParaRPr lang="ru-RU" sz="2400" dirty="0">
+              <a:solidFill>
+                <a:schemeClr val="bg2">
+                  <a:lumMod val="50000"/>
+                </a:schemeClr>
+              </a:solidFill>
+            </a:endParaRPr>
+          </a:p>
+          <a:p>
+            <a:pPr marL="457200" indent="-457200">
+              <a:buAutoNum type="arabicParenR"/>
+            </a:pPr>
+            <a:endParaRPr lang="ru-RU" sz="2400" dirty="0" smtClean="0">
+              <a:solidFill>
+                <a:schemeClr val="bg2">
+                  <a:lumMod val="50000"/>
+                </a:schemeClr>
+              </a:solidFill>
+            </a:endParaRPr>
+          </a:p>
+          <a:p>
+            <a:pPr marL="457200" indent="-457200">
+              <a:buAutoNum type="arabicParenR"/>
+            </a:pPr>
+            <a:endParaRPr lang="en-US" sz="2400" dirty="0">
+              <a:solidFill>
+                <a:schemeClr val="bg2">
+                  <a:lumMod val="50000"/>
+                </a:schemeClr>
+              </a:solidFill>
+            </a:endParaRPr>
+          </a:p>
+          <a:p>
+            <a:pPr marL="457200" indent="-457200">
+              <a:buAutoNum type="arabicParenR"/>
+            </a:pPr>
+            <a:r>
+              <a:rPr lang="ru-RU" sz="2400" i="1" dirty="0" smtClean="0">
+                <a:solidFill>
+                  <a:schemeClr val="bg2">
+                    <a:lumMod val="50000"/>
+                  </a:schemeClr>
+                </a:solidFill>
+              </a:rPr>
+              <a:t>Предположение, почему: чтобы подчеркнуть, что это калька? Потому что «стандартная» конструкция для РЯ для этого смысла </a:t>
+            </a:r>
+            <a:r>
+              <a:rPr lang="mr-IN" sz="2400" i="1" dirty="0" smtClean="0">
+                <a:solidFill>
+                  <a:schemeClr val="bg2">
+                    <a:lumMod val="50000"/>
+                  </a:schemeClr>
+                </a:solidFill>
+              </a:rPr>
+              <a:t>–</a:t>
+            </a:r>
+            <a:r>
+              <a:rPr lang="ru-RU" sz="2400" i="1" dirty="0" smtClean="0">
+                <a:solidFill>
+                  <a:schemeClr val="bg2">
+                    <a:lumMod val="50000"/>
+                  </a:schemeClr>
+                </a:solidFill>
+              </a:rPr>
+              <a:t> «заставьте меня»(сесть за уроки)</a:t>
+            </a:r>
+            <a:endParaRPr lang="ru-RU" sz="2400" i="1" dirty="0" smtClean="0">
+              <a:solidFill>
+                <a:schemeClr val="bg2">
+                  <a:lumMod val="50000"/>
+                </a:schemeClr>
+              </a:solidFill>
+            </a:endParaRPr>
+          </a:p>
+          <a:p>
+            <a:pPr marL="457200" indent="-457200">
+              <a:buAutoNum type="arabicParenR"/>
+            </a:pPr>
             <a:endParaRPr lang="ru-RU" sz="2400" dirty="0">
               <a:solidFill>
                 <a:schemeClr val="bg2">
@@ -6062,8 +6226,25 @@
                   </a:schemeClr>
                 </a:solidFill>
               </a:rPr>
-              <a:t>вид второго глагола</a:t>
-            </a:r>
+              <a:t>вид второго </a:t>
+            </a:r>
+            <a:r>
+              <a:rPr lang="ru-RU" sz="2400" dirty="0" smtClean="0">
+                <a:solidFill>
+                  <a:schemeClr val="bg2">
+                    <a:lumMod val="50000"/>
+                  </a:schemeClr>
+                </a:solidFill>
+              </a:rPr>
+              <a:t>глагола (инфинитива)</a:t>
+            </a:r>
+            <a:endParaRPr lang="ru-RU" sz="2400" dirty="0" smtClean="0">
+              <a:solidFill>
+                <a:schemeClr val="bg2">
+                  <a:lumMod val="50000"/>
+                </a:schemeClr>
+              </a:solidFill>
+            </a:endParaRPr>
           </a:p>
           <a:p>
             <a:pPr marL="342900" indent="-342900">
@@ -6466,7 +6647,7 @@
                   </a:schemeClr>
                 </a:solidFill>
               </a:rPr>
-              <a:t>:</a:t>
+              <a:t>: </a:t>
             </a:r>
             <a:r>
               <a:rPr lang="ru-RU" sz="2400" dirty="0" smtClean="0">
